--- a/Présentation.pptx
+++ b/Présentation.pptx
@@ -7,6 +7,7 @@
   <p:sldIdLst>
     <p:sldId id="256" r:id="rId2"/>
     <p:sldId id="257" r:id="rId3"/>
+    <p:sldId id="258" r:id="rId4"/>
   </p:sldIdLst>
   <p:sldSz cx="12192000" cy="6858000"/>
   <p:notesSz cx="6858000" cy="9144000"/>
@@ -105,6 +106,11 @@
       </a:defRPr>
     </a:lvl9pPr>
   </p:defaultTextStyle>
+  <p:extLst>
+    <p:ext uri="{EFAFB233-063F-42B5-8137-9DF3F51BA10A}">
+      <p15:sldGuideLst xmlns:p15="http://schemas.microsoft.com/office/powerpoint/2012/main"/>
+    </p:ext>
+  </p:extLst>
 </p:presentation>
 </file>
 
@@ -3976,6 +3982,9 @@
           </p:cNvSpPr>
           <p:nvPr>
             <p:ph type="ctrTitle"/>
+            <p:custDataLst>
+              <p:tags r:id="rId1"/>
+            </p:custDataLst>
           </p:nvPr>
         </p:nvSpPr>
         <p:spPr/>
@@ -4004,6 +4013,9 @@
           </p:cNvSpPr>
           <p:nvPr>
             <p:ph type="subTitle" idx="1"/>
+            <p:custDataLst>
+              <p:tags r:id="rId2"/>
+            </p:custDataLst>
           </p:nvPr>
         </p:nvSpPr>
         <p:spPr/>
@@ -4062,6 +4074,9 @@
           </p:cNvSpPr>
           <p:nvPr>
             <p:ph type="title"/>
+            <p:custDataLst>
+              <p:tags r:id="rId1"/>
+            </p:custDataLst>
           </p:nvPr>
         </p:nvSpPr>
         <p:spPr>
@@ -4092,11 +4107,15 @@
             </a:extLst>
           </p:cNvPr>
           <p:cNvSpPr txBox="1"/>
-          <p:nvPr/>
+          <p:nvPr>
+            <p:custDataLst>
+              <p:tags r:id="rId2"/>
+            </p:custDataLst>
+          </p:nvPr>
         </p:nvSpPr>
         <p:spPr>
           <a:xfrm>
-            <a:off x="2869251" y="1213061"/>
+            <a:off x="2869251" y="1105596"/>
             <a:ext cx="6453498" cy="369332"/>
           </a:xfrm>
           <a:prstGeom prst="rect">
@@ -4119,34 +4138,83 @@
       </p:sp>
       <p:pic>
         <p:nvPicPr>
-          <p:cNvPr id="4" name="Image 3">
+          <p:cNvPr id="5" name="Image 4">
             <a:extLst>
               <a:ext uri="{FF2B5EF4-FFF2-40B4-BE49-F238E27FC236}">
-                <a16:creationId xmlns:a16="http://schemas.microsoft.com/office/drawing/2014/main" id="{9503568B-3484-4D78-95DB-BA74BAEAC692}"/>
+                <a16:creationId xmlns:a16="http://schemas.microsoft.com/office/drawing/2014/main" id="{AC458181-393B-4D0D-9703-60CF7CE43FC7}"/>
               </a:ext>
             </a:extLst>
           </p:cNvPr>
           <p:cNvPicPr>
             <a:picLocks noChangeAspect="1"/>
           </p:cNvPicPr>
-          <p:nvPr/>
+          <p:nvPr>
+            <p:custDataLst>
+              <p:tags r:id="rId3"/>
+            </p:custDataLst>
+          </p:nvPr>
         </p:nvPicPr>
         <p:blipFill>
-          <a:blip r:embed="rId2"/>
+          <a:blip r:embed="rId12"/>
           <a:stretch>
             <a:fillRect/>
           </a:stretch>
         </p:blipFill>
         <p:spPr>
           <a:xfrm>
-            <a:off x="2310063" y="1609345"/>
-            <a:ext cx="7299158" cy="5248656"/>
+            <a:off x="2869251" y="1570257"/>
+            <a:ext cx="6674232" cy="5287743"/>
           </a:xfrm>
           <a:prstGeom prst="rect">
             <a:avLst/>
           </a:prstGeom>
         </p:spPr>
       </p:pic>
+      <p:sp>
+        <p:nvSpPr>
+          <p:cNvPr id="10" name="ZoneTexte 9">
+            <a:extLst>
+              <a:ext uri="{FF2B5EF4-FFF2-40B4-BE49-F238E27FC236}">
+                <a16:creationId xmlns:a16="http://schemas.microsoft.com/office/drawing/2014/main" id="{697FCB31-4097-471A-B8AB-1E37A3A8E350}"/>
+              </a:ext>
+            </a:extLst>
+          </p:cNvPr>
+          <p:cNvSpPr txBox="1"/>
+          <p:nvPr>
+            <p:custDataLst>
+              <p:tags r:id="rId4"/>
+            </p:custDataLst>
+          </p:nvPr>
+        </p:nvSpPr>
+        <p:spPr>
+          <a:xfrm>
+            <a:off x="8237991" y="1966540"/>
+            <a:ext cx="3332451" cy="461665"/>
+          </a:xfrm>
+          <a:prstGeom prst="rect">
+            <a:avLst/>
+          </a:prstGeom>
+          <a:noFill/>
+        </p:spPr>
+        <p:txBody>
+          <a:bodyPr wrap="none" rtlCol="0">
+            <a:spAutoFit/>
+          </a:bodyPr>
+          <a:lstStyle/>
+          <a:p>
+            <a:r>
+              <a:rPr lang="fr-CA" sz="1200" dirty="0"/>
+              <a:t>Fonction permettant de suivre l’exécution de</a:t>
+            </a:r>
+          </a:p>
+          <a:p>
+            <a:r>
+              <a:rPr lang="fr-CA" sz="1200" dirty="0"/>
+              <a:t>la tache programmé</a:t>
+            </a:r>
+          </a:p>
+        </p:txBody>
+      </p:sp>
       <p:cxnSp>
         <p:nvCxnSpPr>
           <p:cNvPr id="6" name="Connecteur droit avec flèche 5">
@@ -4159,11 +4227,15 @@
           <p:cNvCxnSpPr>
             <a:cxnSpLocks/>
           </p:cNvCxnSpPr>
-          <p:nvPr/>
+          <p:nvPr>
+            <p:custDataLst>
+              <p:tags r:id="rId5"/>
+            </p:custDataLst>
+          </p:nvPr>
         </p:nvCxnSpPr>
         <p:spPr>
           <a:xfrm flipH="1">
-            <a:off x="5754849" y="1971412"/>
+            <a:off x="5681991" y="2189614"/>
             <a:ext cx="2556000" cy="756000"/>
           </a:xfrm>
           <a:prstGeom prst="straightConnector1">
@@ -4198,47 +4270,6 @@
           </a:fontRef>
         </p:style>
       </p:cxnSp>
-      <p:sp>
-        <p:nvSpPr>
-          <p:cNvPr id="10" name="ZoneTexte 9">
-            <a:extLst>
-              <a:ext uri="{FF2B5EF4-FFF2-40B4-BE49-F238E27FC236}">
-                <a16:creationId xmlns:a16="http://schemas.microsoft.com/office/drawing/2014/main" id="{697FCB31-4097-471A-B8AB-1E37A3A8E350}"/>
-              </a:ext>
-            </a:extLst>
-          </p:cNvPr>
-          <p:cNvSpPr txBox="1"/>
-          <p:nvPr/>
-        </p:nvSpPr>
-        <p:spPr>
-          <a:xfrm>
-            <a:off x="8514826" y="1740579"/>
-            <a:ext cx="3332451" cy="461665"/>
-          </a:xfrm>
-          <a:prstGeom prst="rect">
-            <a:avLst/>
-          </a:prstGeom>
-          <a:noFill/>
-        </p:spPr>
-        <p:txBody>
-          <a:bodyPr wrap="none" rtlCol="0">
-            <a:spAutoFit/>
-          </a:bodyPr>
-          <a:lstStyle/>
-          <a:p>
-            <a:r>
-              <a:rPr lang="fr-CA" sz="1200" dirty="0"/>
-              <a:t>Fonction permettant de suivre l’exécution de</a:t>
-            </a:r>
-          </a:p>
-          <a:p>
-            <a:r>
-              <a:rPr lang="fr-CA" sz="1200" dirty="0"/>
-              <a:t>la tache programmé</a:t>
-            </a:r>
-          </a:p>
-        </p:txBody>
-      </p:sp>
       <p:cxnSp>
         <p:nvCxnSpPr>
           <p:cNvPr id="11" name="Connecteur droit avec flèche 10">
@@ -4251,12 +4282,202 @@
           <p:cNvCxnSpPr>
             <a:cxnSpLocks/>
           </p:cNvCxnSpPr>
-          <p:nvPr/>
+          <p:nvPr>
+            <p:custDataLst>
+              <p:tags r:id="rId6"/>
+            </p:custDataLst>
+          </p:nvPr>
+        </p:nvCxnSpPr>
+        <p:spPr>
+          <a:xfrm>
+            <a:off x="2015148" y="3554164"/>
+            <a:ext cx="679508" cy="461394"/>
+          </a:xfrm>
+          <a:prstGeom prst="straightConnector1">
+            <a:avLst/>
+          </a:prstGeom>
+          <a:ln w="28575">
+            <a:solidFill>
+              <a:schemeClr val="tx1"/>
+            </a:solidFill>
+            <a:tailEnd type="triangle"/>
+          </a:ln>
+          <a:effectLst>
+            <a:outerShdw blurRad="50800" dist="38100" dir="5400000" algn="t" rotWithShape="0">
+              <a:prstClr val="black">
+                <a:alpha val="40000"/>
+              </a:prstClr>
+            </a:outerShdw>
+          </a:effectLst>
+        </p:spPr>
+        <p:style>
+          <a:lnRef idx="1">
+            <a:schemeClr val="accent1"/>
+          </a:lnRef>
+          <a:fillRef idx="0">
+            <a:schemeClr val="accent1"/>
+          </a:fillRef>
+          <a:effectRef idx="0">
+            <a:schemeClr val="accent1"/>
+          </a:effectRef>
+          <a:fontRef idx="minor">
+            <a:schemeClr val="tx1"/>
+          </a:fontRef>
+        </p:style>
+      </p:cxnSp>
+      <p:sp>
+        <p:nvSpPr>
+          <p:cNvPr id="14" name="Parenthèse ouvrante 13">
+            <a:extLst>
+              <a:ext uri="{FF2B5EF4-FFF2-40B4-BE49-F238E27FC236}">
+                <a16:creationId xmlns:a16="http://schemas.microsoft.com/office/drawing/2014/main" id="{60C1C0D6-48E0-4160-8A0C-1E6FA7CFA280}"/>
+              </a:ext>
+            </a:extLst>
+          </p:cNvPr>
+          <p:cNvSpPr/>
+          <p:nvPr>
+            <p:custDataLst>
+              <p:tags r:id="rId7"/>
+            </p:custDataLst>
+          </p:nvPr>
+        </p:nvSpPr>
+        <p:spPr>
+          <a:xfrm>
+            <a:off x="2796099" y="3694081"/>
+            <a:ext cx="73152" cy="914400"/>
+          </a:xfrm>
+          <a:prstGeom prst="leftBracket">
+            <a:avLst/>
+          </a:prstGeom>
+          <a:ln>
+            <a:solidFill>
+              <a:schemeClr val="tx1"/>
+            </a:solidFill>
+          </a:ln>
+        </p:spPr>
+        <p:style>
+          <a:lnRef idx="1">
+            <a:schemeClr val="accent1"/>
+          </a:lnRef>
+          <a:fillRef idx="0">
+            <a:schemeClr val="accent1"/>
+          </a:fillRef>
+          <a:effectRef idx="0">
+            <a:schemeClr val="accent1"/>
+          </a:effectRef>
+          <a:fontRef idx="minor">
+            <a:schemeClr val="tx1"/>
+          </a:fontRef>
+        </p:style>
+        <p:txBody>
+          <a:bodyPr rtlCol="0" anchor="ctr"/>
+          <a:lstStyle/>
+          <a:p>
+            <a:pPr algn="ctr"/>
+            <a:endParaRPr lang="fr-CA"/>
+          </a:p>
+        </p:txBody>
+      </p:sp>
+      <p:sp>
+        <p:nvSpPr>
+          <p:cNvPr id="15" name="ZoneTexte 14">
+            <a:extLst>
+              <a:ext uri="{FF2B5EF4-FFF2-40B4-BE49-F238E27FC236}">
+                <a16:creationId xmlns:a16="http://schemas.microsoft.com/office/drawing/2014/main" id="{85B05C5A-1689-4A81-8F19-CE469B493106}"/>
+              </a:ext>
+            </a:extLst>
+          </p:cNvPr>
+          <p:cNvSpPr txBox="1"/>
+          <p:nvPr>
+            <p:custDataLst>
+              <p:tags r:id="rId8"/>
+            </p:custDataLst>
+          </p:nvPr>
+        </p:nvSpPr>
+        <p:spPr>
+          <a:xfrm>
+            <a:off x="174595" y="3112989"/>
+            <a:ext cx="2694656" cy="276999"/>
+          </a:xfrm>
+          <a:prstGeom prst="rect">
+            <a:avLst/>
+          </a:prstGeom>
+          <a:noFill/>
+        </p:spPr>
+        <p:txBody>
+          <a:bodyPr wrap="square" rtlCol="0">
+            <a:spAutoFit/>
+          </a:bodyPr>
+          <a:lstStyle/>
+          <a:p>
+            <a:r>
+              <a:rPr lang="fr-CA" sz="1200" dirty="0"/>
+              <a:t>Création de la tache programmé</a:t>
+            </a:r>
+          </a:p>
+        </p:txBody>
+      </p:sp>
+      <p:sp>
+        <p:nvSpPr>
+          <p:cNvPr id="16" name="ZoneTexte 15">
+            <a:extLst>
+              <a:ext uri="{FF2B5EF4-FFF2-40B4-BE49-F238E27FC236}">
+                <a16:creationId xmlns:a16="http://schemas.microsoft.com/office/drawing/2014/main" id="{C1CE1E4F-8444-47CF-B0CF-C3754B35C3E7}"/>
+              </a:ext>
+            </a:extLst>
+          </p:cNvPr>
+          <p:cNvSpPr txBox="1"/>
+          <p:nvPr>
+            <p:custDataLst>
+              <p:tags r:id="rId9"/>
+            </p:custDataLst>
+          </p:nvPr>
+        </p:nvSpPr>
+        <p:spPr>
+          <a:xfrm>
+            <a:off x="7950409" y="4711138"/>
+            <a:ext cx="2417906" cy="276999"/>
+          </a:xfrm>
+          <a:prstGeom prst="rect">
+            <a:avLst/>
+          </a:prstGeom>
+          <a:noFill/>
+        </p:spPr>
+        <p:txBody>
+          <a:bodyPr wrap="none" rtlCol="0">
+            <a:spAutoFit/>
+          </a:bodyPr>
+          <a:lstStyle/>
+          <a:p>
+            <a:r>
+              <a:rPr lang="fr-CA" sz="1200" dirty="0"/>
+              <a:t>Suivi de l’exécution de la tache</a:t>
+            </a:r>
+          </a:p>
+        </p:txBody>
+      </p:sp>
+      <p:cxnSp>
+        <p:nvCxnSpPr>
+          <p:cNvPr id="17" name="Connecteur droit avec flèche 16">
+            <a:extLst>
+              <a:ext uri="{FF2B5EF4-FFF2-40B4-BE49-F238E27FC236}">
+                <a16:creationId xmlns:a16="http://schemas.microsoft.com/office/drawing/2014/main" id="{59149DB9-AAF4-4360-9BF8-0335B1E23F61}"/>
+              </a:ext>
+            </a:extLst>
+          </p:cNvPr>
+          <p:cNvCxnSpPr>
+            <a:cxnSpLocks/>
+          </p:cNvCxnSpPr>
+          <p:nvPr>
+            <p:custDataLst>
+              <p:tags r:id="rId10"/>
+            </p:custDataLst>
+          </p:nvPr>
         </p:nvCxnSpPr>
         <p:spPr>
           <a:xfrm flipH="1">
-            <a:off x="9661449" y="3813333"/>
-            <a:ext cx="1066800" cy="247778"/>
+            <a:off x="5394409" y="4934212"/>
+            <a:ext cx="2556000" cy="756000"/>
           </a:xfrm>
           <a:prstGeom prst="straightConnector1">
             <a:avLst/>
@@ -4301,6 +4522,631 @@
     <a:masterClrMapping/>
   </p:clrMapOvr>
 </p:sld>
+</file>
+
+<file path=ppt/slides/slide3.xml><?xml version="1.0" encoding="utf-8"?>
+<p:sld xmlns:a="http://schemas.openxmlformats.org/drawingml/2006/main" xmlns:r="http://schemas.openxmlformats.org/officeDocument/2006/relationships" xmlns:p="http://schemas.openxmlformats.org/presentationml/2006/main">
+  <p:cSld>
+    <p:spTree>
+      <p:nvGrpSpPr>
+        <p:cNvPr id="1" name=""/>
+        <p:cNvGrpSpPr/>
+        <p:nvPr/>
+      </p:nvGrpSpPr>
+      <p:grpSpPr>
+        <a:xfrm>
+          <a:off x="0" y="0"/>
+          <a:ext cx="0" cy="0"/>
+          <a:chOff x="0" y="0"/>
+          <a:chExt cx="0" cy="0"/>
+        </a:xfrm>
+      </p:grpSpPr>
+      <p:sp>
+        <p:nvSpPr>
+          <p:cNvPr id="2" name="Titre 1">
+            <a:extLst>
+              <a:ext uri="{FF2B5EF4-FFF2-40B4-BE49-F238E27FC236}">
+                <a16:creationId xmlns:a16="http://schemas.microsoft.com/office/drawing/2014/main" id="{F8A9631D-5167-4DC3-A945-D6433C769627}"/>
+              </a:ext>
+            </a:extLst>
+          </p:cNvPr>
+          <p:cNvSpPr>
+            <a:spLocks noGrp="1"/>
+          </p:cNvSpPr>
+          <p:nvPr>
+            <p:ph type="title"/>
+            <p:custDataLst>
+              <p:tags r:id="rId1"/>
+            </p:custDataLst>
+          </p:nvPr>
+        </p:nvSpPr>
+        <p:spPr>
+          <a:xfrm>
+            <a:off x="932262" y="-83890"/>
+            <a:ext cx="10058400" cy="1609344"/>
+          </a:xfrm>
+        </p:spPr>
+        <p:txBody>
+          <a:bodyPr/>
+          <a:lstStyle/>
+          <a:p>
+            <a:pPr algn="ctr"/>
+            <a:r>
+              <a:rPr lang="fr-CA" dirty="0"/>
+              <a:t>Profil étude</a:t>
+            </a:r>
+          </a:p>
+        </p:txBody>
+      </p:sp>
+      <p:pic>
+        <p:nvPicPr>
+          <p:cNvPr id="3" name="Image 2">
+            <a:extLst>
+              <a:ext uri="{FF2B5EF4-FFF2-40B4-BE49-F238E27FC236}">
+                <a16:creationId xmlns:a16="http://schemas.microsoft.com/office/drawing/2014/main" id="{1DACB54F-B231-48D0-8D96-0B66BF100B9E}"/>
+              </a:ext>
+            </a:extLst>
+          </p:cNvPr>
+          <p:cNvPicPr>
+            <a:picLocks noChangeAspect="1"/>
+          </p:cNvPicPr>
+          <p:nvPr>
+            <p:custDataLst>
+              <p:tags r:id="rId2"/>
+            </p:custDataLst>
+          </p:nvPr>
+        </p:nvPicPr>
+        <p:blipFill>
+          <a:blip r:embed="rId12"/>
+          <a:stretch>
+            <a:fillRect/>
+          </a:stretch>
+        </p:blipFill>
+        <p:spPr>
+          <a:xfrm>
+            <a:off x="2975294" y="1080775"/>
+            <a:ext cx="6241411" cy="5777225"/>
+          </a:xfrm>
+          <a:prstGeom prst="rect">
+            <a:avLst/>
+          </a:prstGeom>
+        </p:spPr>
+      </p:pic>
+      <p:sp>
+        <p:nvSpPr>
+          <p:cNvPr id="4" name="ZoneTexte 3">
+            <a:extLst>
+              <a:ext uri="{FF2B5EF4-FFF2-40B4-BE49-F238E27FC236}">
+                <a16:creationId xmlns:a16="http://schemas.microsoft.com/office/drawing/2014/main" id="{D582179C-976E-4A01-B88D-B86D70B7EB84}"/>
+              </a:ext>
+            </a:extLst>
+          </p:cNvPr>
+          <p:cNvSpPr txBox="1"/>
+          <p:nvPr>
+            <p:custDataLst>
+              <p:tags r:id="rId3"/>
+            </p:custDataLst>
+          </p:nvPr>
+        </p:nvSpPr>
+        <p:spPr>
+          <a:xfrm>
+            <a:off x="7868873" y="1454812"/>
+            <a:ext cx="3993160" cy="276999"/>
+          </a:xfrm>
+          <a:prstGeom prst="rect">
+            <a:avLst/>
+          </a:prstGeom>
+          <a:noFill/>
+        </p:spPr>
+        <p:txBody>
+          <a:bodyPr wrap="square" rtlCol="0">
+            <a:spAutoFit/>
+          </a:bodyPr>
+          <a:lstStyle/>
+          <a:p>
+            <a:r>
+              <a:rPr lang="fr-CA" sz="1200" dirty="0"/>
+              <a:t>Ouverture des sites web de la liste</a:t>
+            </a:r>
+          </a:p>
+        </p:txBody>
+      </p:sp>
+      <p:cxnSp>
+        <p:nvCxnSpPr>
+          <p:cNvPr id="5" name="Connecteur droit avec flèche 4">
+            <a:extLst>
+              <a:ext uri="{FF2B5EF4-FFF2-40B4-BE49-F238E27FC236}">
+                <a16:creationId xmlns:a16="http://schemas.microsoft.com/office/drawing/2014/main" id="{C1E93C7D-B1DF-48E1-BA9E-B1DE6B2FE097}"/>
+              </a:ext>
+            </a:extLst>
+          </p:cNvPr>
+          <p:cNvCxnSpPr>
+            <a:cxnSpLocks/>
+          </p:cNvCxnSpPr>
+          <p:nvPr>
+            <p:custDataLst>
+              <p:tags r:id="rId4"/>
+            </p:custDataLst>
+          </p:nvPr>
+        </p:nvCxnSpPr>
+        <p:spPr>
+          <a:xfrm flipH="1">
+            <a:off x="4941116" y="1694576"/>
+            <a:ext cx="2768367" cy="578841"/>
+          </a:xfrm>
+          <a:prstGeom prst="straightConnector1">
+            <a:avLst/>
+          </a:prstGeom>
+          <a:ln w="28575">
+            <a:solidFill>
+              <a:schemeClr val="tx1"/>
+            </a:solidFill>
+            <a:tailEnd type="triangle"/>
+          </a:ln>
+          <a:effectLst>
+            <a:outerShdw blurRad="50800" dist="38100" dir="5400000" algn="t" rotWithShape="0">
+              <a:prstClr val="black">
+                <a:alpha val="40000"/>
+              </a:prstClr>
+            </a:outerShdw>
+          </a:effectLst>
+        </p:spPr>
+        <p:style>
+          <a:lnRef idx="1">
+            <a:schemeClr val="accent1"/>
+          </a:lnRef>
+          <a:fillRef idx="0">
+            <a:schemeClr val="accent1"/>
+          </a:fillRef>
+          <a:effectRef idx="0">
+            <a:schemeClr val="accent1"/>
+          </a:effectRef>
+          <a:fontRef idx="minor">
+            <a:schemeClr val="tx1"/>
+          </a:fontRef>
+        </p:style>
+      </p:cxnSp>
+      <p:sp>
+        <p:nvSpPr>
+          <p:cNvPr id="13" name="ZoneTexte 12">
+            <a:extLst>
+              <a:ext uri="{FF2B5EF4-FFF2-40B4-BE49-F238E27FC236}">
+                <a16:creationId xmlns:a16="http://schemas.microsoft.com/office/drawing/2014/main" id="{E2D8E284-C6B9-4C0A-892E-E7097A178D4C}"/>
+              </a:ext>
+            </a:extLst>
+          </p:cNvPr>
+          <p:cNvSpPr txBox="1"/>
+          <p:nvPr>
+            <p:custDataLst>
+              <p:tags r:id="rId5"/>
+            </p:custDataLst>
+          </p:nvPr>
+        </p:nvSpPr>
+        <p:spPr>
+          <a:xfrm>
+            <a:off x="8370817" y="2945545"/>
+            <a:ext cx="3993160" cy="646331"/>
+          </a:xfrm>
+          <a:prstGeom prst="rect">
+            <a:avLst/>
+          </a:prstGeom>
+          <a:noFill/>
+        </p:spPr>
+        <p:txBody>
+          <a:bodyPr wrap="square" rtlCol="0">
+            <a:spAutoFit/>
+          </a:bodyPr>
+          <a:lstStyle/>
+          <a:p>
+            <a:r>
+              <a:rPr lang="fr-CA" sz="1200" dirty="0"/>
+              <a:t>Ouverture de </a:t>
+            </a:r>
+            <a:r>
+              <a:rPr lang="fr-CA" sz="1200" dirty="0" err="1"/>
+              <a:t>VisualStudio</a:t>
+            </a:r>
+            <a:r>
+              <a:rPr lang="fr-CA" sz="1200" dirty="0"/>
+              <a:t> code et d’une note </a:t>
+            </a:r>
+            <a:r>
+              <a:rPr lang="fr-CA" sz="1200" dirty="0" err="1"/>
+              <a:t>notepad</a:t>
+            </a:r>
+            <a:r>
+              <a:rPr lang="fr-CA" sz="1200" dirty="0"/>
+              <a:t>++ nommé avec la date d’aujourd’hui et enregistrer sur le bureau</a:t>
+            </a:r>
+          </a:p>
+        </p:txBody>
+      </p:sp>
+      <p:cxnSp>
+        <p:nvCxnSpPr>
+          <p:cNvPr id="14" name="Connecteur droit avec flèche 13">
+            <a:extLst>
+              <a:ext uri="{FF2B5EF4-FFF2-40B4-BE49-F238E27FC236}">
+                <a16:creationId xmlns:a16="http://schemas.microsoft.com/office/drawing/2014/main" id="{35ACCEA6-9EA8-4FC7-B524-8AC7467231B3}"/>
+              </a:ext>
+            </a:extLst>
+          </p:cNvPr>
+          <p:cNvCxnSpPr>
+            <a:cxnSpLocks/>
+          </p:cNvCxnSpPr>
+          <p:nvPr>
+            <p:custDataLst>
+              <p:tags r:id="rId6"/>
+            </p:custDataLst>
+          </p:nvPr>
+        </p:nvCxnSpPr>
+        <p:spPr>
+          <a:xfrm flipH="1">
+            <a:off x="6096001" y="3291389"/>
+            <a:ext cx="2158766" cy="491035"/>
+          </a:xfrm>
+          <a:prstGeom prst="straightConnector1">
+            <a:avLst/>
+          </a:prstGeom>
+          <a:ln w="28575">
+            <a:solidFill>
+              <a:schemeClr val="tx1"/>
+            </a:solidFill>
+            <a:tailEnd type="triangle"/>
+          </a:ln>
+          <a:effectLst>
+            <a:outerShdw blurRad="50800" dist="38100" dir="5400000" algn="t" rotWithShape="0">
+              <a:prstClr val="black">
+                <a:alpha val="40000"/>
+              </a:prstClr>
+            </a:outerShdw>
+          </a:effectLst>
+        </p:spPr>
+        <p:style>
+          <a:lnRef idx="1">
+            <a:schemeClr val="accent1"/>
+          </a:lnRef>
+          <a:fillRef idx="0">
+            <a:schemeClr val="accent1"/>
+          </a:fillRef>
+          <a:effectRef idx="0">
+            <a:schemeClr val="accent1"/>
+          </a:effectRef>
+          <a:fontRef idx="minor">
+            <a:schemeClr val="tx1"/>
+          </a:fontRef>
+        </p:style>
+      </p:cxnSp>
+      <p:sp>
+        <p:nvSpPr>
+          <p:cNvPr id="15" name="ZoneTexte 14">
+            <a:extLst>
+              <a:ext uri="{FF2B5EF4-FFF2-40B4-BE49-F238E27FC236}">
+                <a16:creationId xmlns:a16="http://schemas.microsoft.com/office/drawing/2014/main" id="{5F950015-8753-4774-9777-DC940B038C9C}"/>
+              </a:ext>
+            </a:extLst>
+          </p:cNvPr>
+          <p:cNvSpPr txBox="1"/>
+          <p:nvPr>
+            <p:custDataLst>
+              <p:tags r:id="rId7"/>
+            </p:custDataLst>
+          </p:nvPr>
+        </p:nvSpPr>
+        <p:spPr>
+          <a:xfrm>
+            <a:off x="6867787" y="4947089"/>
+            <a:ext cx="3993160" cy="276999"/>
+          </a:xfrm>
+          <a:prstGeom prst="rect">
+            <a:avLst/>
+          </a:prstGeom>
+          <a:noFill/>
+        </p:spPr>
+        <p:txBody>
+          <a:bodyPr wrap="square" rtlCol="0">
+            <a:spAutoFit/>
+          </a:bodyPr>
+          <a:lstStyle/>
+          <a:p>
+            <a:r>
+              <a:rPr lang="fr-CA" sz="1200" dirty="0"/>
+              <a:t>Minimisation de toutes les fenêtres</a:t>
+            </a:r>
+          </a:p>
+        </p:txBody>
+      </p:sp>
+      <p:cxnSp>
+        <p:nvCxnSpPr>
+          <p:cNvPr id="16" name="Connecteur droit avec flèche 15">
+            <a:extLst>
+              <a:ext uri="{FF2B5EF4-FFF2-40B4-BE49-F238E27FC236}">
+                <a16:creationId xmlns:a16="http://schemas.microsoft.com/office/drawing/2014/main" id="{F531707A-6556-4715-B5EF-0D36FC14C98F}"/>
+              </a:ext>
+            </a:extLst>
+          </p:cNvPr>
+          <p:cNvCxnSpPr>
+            <a:cxnSpLocks/>
+          </p:cNvCxnSpPr>
+          <p:nvPr>
+            <p:custDataLst>
+              <p:tags r:id="rId8"/>
+            </p:custDataLst>
+          </p:nvPr>
+        </p:nvCxnSpPr>
+        <p:spPr>
+          <a:xfrm flipH="1">
+            <a:off x="5712903" y="5186853"/>
+            <a:ext cx="995495" cy="81502"/>
+          </a:xfrm>
+          <a:prstGeom prst="straightConnector1">
+            <a:avLst/>
+          </a:prstGeom>
+          <a:ln w="28575">
+            <a:solidFill>
+              <a:schemeClr val="tx1"/>
+            </a:solidFill>
+            <a:tailEnd type="triangle"/>
+          </a:ln>
+          <a:effectLst>
+            <a:outerShdw blurRad="50800" dist="38100" dir="5400000" algn="t" rotWithShape="0">
+              <a:prstClr val="black">
+                <a:alpha val="40000"/>
+              </a:prstClr>
+            </a:outerShdw>
+          </a:effectLst>
+        </p:spPr>
+        <p:style>
+          <a:lnRef idx="1">
+            <a:schemeClr val="accent1"/>
+          </a:lnRef>
+          <a:fillRef idx="0">
+            <a:schemeClr val="accent1"/>
+          </a:fillRef>
+          <a:effectRef idx="0">
+            <a:schemeClr val="accent1"/>
+          </a:effectRef>
+          <a:fontRef idx="minor">
+            <a:schemeClr val="tx1"/>
+          </a:fontRef>
+        </p:style>
+      </p:cxnSp>
+      <p:sp>
+        <p:nvSpPr>
+          <p:cNvPr id="18" name="ZoneTexte 17">
+            <a:extLst>
+              <a:ext uri="{FF2B5EF4-FFF2-40B4-BE49-F238E27FC236}">
+                <a16:creationId xmlns:a16="http://schemas.microsoft.com/office/drawing/2014/main" id="{06E74C8E-3C2F-474E-8D52-F8B878DE37D0}"/>
+              </a:ext>
+            </a:extLst>
+          </p:cNvPr>
+          <p:cNvSpPr txBox="1"/>
+          <p:nvPr>
+            <p:custDataLst>
+              <p:tags r:id="rId9"/>
+            </p:custDataLst>
+          </p:nvPr>
+        </p:nvSpPr>
+        <p:spPr>
+          <a:xfrm>
+            <a:off x="9506124" y="5460553"/>
+            <a:ext cx="2607579" cy="646331"/>
+          </a:xfrm>
+          <a:prstGeom prst="rect">
+            <a:avLst/>
+          </a:prstGeom>
+          <a:noFill/>
+        </p:spPr>
+        <p:txBody>
+          <a:bodyPr wrap="square" rtlCol="0">
+            <a:spAutoFit/>
+          </a:bodyPr>
+          <a:lstStyle/>
+          <a:p>
+            <a:r>
+              <a:rPr lang="fr-CA" sz="1200" dirty="0"/>
+              <a:t>Lancement du script SetWallPaper.ps1 pour changer le fond d’écran.</a:t>
+            </a:r>
+          </a:p>
+        </p:txBody>
+      </p:sp>
+      <p:cxnSp>
+        <p:nvCxnSpPr>
+          <p:cNvPr id="19" name="Connecteur droit avec flèche 18">
+            <a:extLst>
+              <a:ext uri="{FF2B5EF4-FFF2-40B4-BE49-F238E27FC236}">
+                <a16:creationId xmlns:a16="http://schemas.microsoft.com/office/drawing/2014/main" id="{7A70CEF0-5606-4B46-9B3B-C5C1CE508674}"/>
+              </a:ext>
+            </a:extLst>
+          </p:cNvPr>
+          <p:cNvCxnSpPr>
+            <a:cxnSpLocks/>
+          </p:cNvCxnSpPr>
+          <p:nvPr>
+            <p:custDataLst>
+              <p:tags r:id="rId10"/>
+            </p:custDataLst>
+          </p:nvPr>
+        </p:nvCxnSpPr>
+        <p:spPr>
+          <a:xfrm flipH="1">
+            <a:off x="7709483" y="5700317"/>
+            <a:ext cx="1637252" cy="356534"/>
+          </a:xfrm>
+          <a:prstGeom prst="straightConnector1">
+            <a:avLst/>
+          </a:prstGeom>
+          <a:ln w="28575">
+            <a:solidFill>
+              <a:schemeClr val="tx1"/>
+            </a:solidFill>
+            <a:tailEnd type="triangle"/>
+          </a:ln>
+          <a:effectLst>
+            <a:outerShdw blurRad="50800" dist="38100" dir="5400000" algn="t" rotWithShape="0">
+              <a:prstClr val="black">
+                <a:alpha val="40000"/>
+              </a:prstClr>
+            </a:outerShdw>
+          </a:effectLst>
+        </p:spPr>
+        <p:style>
+          <a:lnRef idx="1">
+            <a:schemeClr val="accent1"/>
+          </a:lnRef>
+          <a:fillRef idx="0">
+            <a:schemeClr val="accent1"/>
+          </a:fillRef>
+          <a:effectRef idx="0">
+            <a:schemeClr val="accent1"/>
+          </a:effectRef>
+          <a:fontRef idx="minor">
+            <a:schemeClr val="tx1"/>
+          </a:fontRef>
+        </p:style>
+      </p:cxnSp>
+    </p:spTree>
+    <p:extLst>
+      <p:ext uri="{BB962C8B-B14F-4D97-AF65-F5344CB8AC3E}">
+        <p14:creationId xmlns:p14="http://schemas.microsoft.com/office/powerpoint/2010/main" val="3951232681"/>
+      </p:ext>
+    </p:extLst>
+  </p:cSld>
+  <p:clrMapOvr>
+    <a:masterClrMapping/>
+  </p:clrMapOvr>
+</p:sld>
+</file>
+
+<file path=ppt/tags/tag1.xml><?xml version="1.0" encoding="utf-8"?>
+<p:tagLst xmlns:a="http://schemas.openxmlformats.org/drawingml/2006/main" xmlns:r="http://schemas.openxmlformats.org/officeDocument/2006/relationships" xmlns:p="http://schemas.openxmlformats.org/presentationml/2006/main">
+  <p:tag name="NUM" val="1"/>
+</p:tagLst>
+</file>
+
+<file path=ppt/tags/tag10.xml><?xml version="1.0" encoding="utf-8"?>
+<p:tagLst xmlns:a="http://schemas.openxmlformats.org/drawingml/2006/main" xmlns:r="http://schemas.openxmlformats.org/officeDocument/2006/relationships" xmlns:p="http://schemas.openxmlformats.org/presentationml/2006/main">
+  <p:tag name="NUM" val="8"/>
+</p:tagLst>
+</file>
+
+<file path=ppt/tags/tag11.xml><?xml version="1.0" encoding="utf-8"?>
+<p:tagLst xmlns:a="http://schemas.openxmlformats.org/drawingml/2006/main" xmlns:r="http://schemas.openxmlformats.org/officeDocument/2006/relationships" xmlns:p="http://schemas.openxmlformats.org/presentationml/2006/main">
+  <p:tag name="NUM" val="9"/>
+</p:tagLst>
+</file>
+
+<file path=ppt/tags/tag12.xml><?xml version="1.0" encoding="utf-8"?>
+<p:tagLst xmlns:a="http://schemas.openxmlformats.org/drawingml/2006/main" xmlns:r="http://schemas.openxmlformats.org/officeDocument/2006/relationships" xmlns:p="http://schemas.openxmlformats.org/presentationml/2006/main">
+  <p:tag name="NUM" val="10"/>
+</p:tagLst>
+</file>
+
+<file path=ppt/tags/tag13.xml><?xml version="1.0" encoding="utf-8"?>
+<p:tagLst xmlns:a="http://schemas.openxmlformats.org/drawingml/2006/main" xmlns:r="http://schemas.openxmlformats.org/officeDocument/2006/relationships" xmlns:p="http://schemas.openxmlformats.org/presentationml/2006/main">
+  <p:tag name="NUM" val="1"/>
+</p:tagLst>
+</file>
+
+<file path=ppt/tags/tag14.xml><?xml version="1.0" encoding="utf-8"?>
+<p:tagLst xmlns:a="http://schemas.openxmlformats.org/drawingml/2006/main" xmlns:r="http://schemas.openxmlformats.org/officeDocument/2006/relationships" xmlns:p="http://schemas.openxmlformats.org/presentationml/2006/main">
+  <p:tag name="NUM" val="2"/>
+</p:tagLst>
+</file>
+
+<file path=ppt/tags/tag15.xml><?xml version="1.0" encoding="utf-8"?>
+<p:tagLst xmlns:a="http://schemas.openxmlformats.org/drawingml/2006/main" xmlns:r="http://schemas.openxmlformats.org/officeDocument/2006/relationships" xmlns:p="http://schemas.openxmlformats.org/presentationml/2006/main">
+  <p:tag name="NUM" val="3"/>
+</p:tagLst>
+</file>
+
+<file path=ppt/tags/tag16.xml><?xml version="1.0" encoding="utf-8"?>
+<p:tagLst xmlns:a="http://schemas.openxmlformats.org/drawingml/2006/main" xmlns:r="http://schemas.openxmlformats.org/officeDocument/2006/relationships" xmlns:p="http://schemas.openxmlformats.org/presentationml/2006/main">
+  <p:tag name="NUM" val="4"/>
+</p:tagLst>
+</file>
+
+<file path=ppt/tags/tag17.xml><?xml version="1.0" encoding="utf-8"?>
+<p:tagLst xmlns:a="http://schemas.openxmlformats.org/drawingml/2006/main" xmlns:r="http://schemas.openxmlformats.org/officeDocument/2006/relationships" xmlns:p="http://schemas.openxmlformats.org/presentationml/2006/main">
+  <p:tag name="NUM" val="5"/>
+</p:tagLst>
+</file>
+
+<file path=ppt/tags/tag18.xml><?xml version="1.0" encoding="utf-8"?>
+<p:tagLst xmlns:a="http://schemas.openxmlformats.org/drawingml/2006/main" xmlns:r="http://schemas.openxmlformats.org/officeDocument/2006/relationships" xmlns:p="http://schemas.openxmlformats.org/presentationml/2006/main">
+  <p:tag name="NUM" val="6"/>
+</p:tagLst>
+</file>
+
+<file path=ppt/tags/tag19.xml><?xml version="1.0" encoding="utf-8"?>
+<p:tagLst xmlns:a="http://schemas.openxmlformats.org/drawingml/2006/main" xmlns:r="http://schemas.openxmlformats.org/officeDocument/2006/relationships" xmlns:p="http://schemas.openxmlformats.org/presentationml/2006/main">
+  <p:tag name="NUM" val="7"/>
+</p:tagLst>
+</file>
+
+<file path=ppt/tags/tag2.xml><?xml version="1.0" encoding="utf-8"?>
+<p:tagLst xmlns:a="http://schemas.openxmlformats.org/drawingml/2006/main" xmlns:r="http://schemas.openxmlformats.org/officeDocument/2006/relationships" xmlns:p="http://schemas.openxmlformats.org/presentationml/2006/main">
+  <p:tag name="NUM" val="2"/>
+</p:tagLst>
+</file>
+
+<file path=ppt/tags/tag20.xml><?xml version="1.0" encoding="utf-8"?>
+<p:tagLst xmlns:a="http://schemas.openxmlformats.org/drawingml/2006/main" xmlns:r="http://schemas.openxmlformats.org/officeDocument/2006/relationships" xmlns:p="http://schemas.openxmlformats.org/presentationml/2006/main">
+  <p:tag name="NUM" val="8"/>
+</p:tagLst>
+</file>
+
+<file path=ppt/tags/tag21.xml><?xml version="1.0" encoding="utf-8"?>
+<p:tagLst xmlns:a="http://schemas.openxmlformats.org/drawingml/2006/main" xmlns:r="http://schemas.openxmlformats.org/officeDocument/2006/relationships" xmlns:p="http://schemas.openxmlformats.org/presentationml/2006/main">
+  <p:tag name="NUM" val="4"/>
+</p:tagLst>
+</file>
+
+<file path=ppt/tags/tag22.xml><?xml version="1.0" encoding="utf-8"?>
+<p:tagLst xmlns:a="http://schemas.openxmlformats.org/drawingml/2006/main" xmlns:r="http://schemas.openxmlformats.org/officeDocument/2006/relationships" xmlns:p="http://schemas.openxmlformats.org/presentationml/2006/main">
+  <p:tag name="NUM" val="5"/>
+</p:tagLst>
+</file>
+
+<file path=ppt/tags/tag3.xml><?xml version="1.0" encoding="utf-8"?>
+<p:tagLst xmlns:a="http://schemas.openxmlformats.org/drawingml/2006/main" xmlns:r="http://schemas.openxmlformats.org/officeDocument/2006/relationships" xmlns:p="http://schemas.openxmlformats.org/presentationml/2006/main">
+  <p:tag name="NUM" val="1"/>
+</p:tagLst>
+</file>
+
+<file path=ppt/tags/tag4.xml><?xml version="1.0" encoding="utf-8"?>
+<p:tagLst xmlns:a="http://schemas.openxmlformats.org/drawingml/2006/main" xmlns:r="http://schemas.openxmlformats.org/officeDocument/2006/relationships" xmlns:p="http://schemas.openxmlformats.org/presentationml/2006/main">
+  <p:tag name="NUM" val="2"/>
+</p:tagLst>
+</file>
+
+<file path=ppt/tags/tag5.xml><?xml version="1.0" encoding="utf-8"?>
+<p:tagLst xmlns:a="http://schemas.openxmlformats.org/drawingml/2006/main" xmlns:r="http://schemas.openxmlformats.org/officeDocument/2006/relationships" xmlns:p="http://schemas.openxmlformats.org/presentationml/2006/main">
+  <p:tag name="NUM" val="3"/>
+</p:tagLst>
+</file>
+
+<file path=ppt/tags/tag6.xml><?xml version="1.0" encoding="utf-8"?>
+<p:tagLst xmlns:a="http://schemas.openxmlformats.org/drawingml/2006/main" xmlns:r="http://schemas.openxmlformats.org/officeDocument/2006/relationships" xmlns:p="http://schemas.openxmlformats.org/presentationml/2006/main">
+  <p:tag name="NUM" val="4"/>
+</p:tagLst>
+</file>
+
+<file path=ppt/tags/tag7.xml><?xml version="1.0" encoding="utf-8"?>
+<p:tagLst xmlns:a="http://schemas.openxmlformats.org/drawingml/2006/main" xmlns:r="http://schemas.openxmlformats.org/officeDocument/2006/relationships" xmlns:p="http://schemas.openxmlformats.org/presentationml/2006/main">
+  <p:tag name="NUM" val="5"/>
+</p:tagLst>
+</file>
+
+<file path=ppt/tags/tag8.xml><?xml version="1.0" encoding="utf-8"?>
+<p:tagLst xmlns:a="http://schemas.openxmlformats.org/drawingml/2006/main" xmlns:r="http://schemas.openxmlformats.org/officeDocument/2006/relationships" xmlns:p="http://schemas.openxmlformats.org/presentationml/2006/main">
+  <p:tag name="NUM" val="6"/>
+</p:tagLst>
+</file>
+
+<file path=ppt/tags/tag9.xml><?xml version="1.0" encoding="utf-8"?>
+<p:tagLst xmlns:a="http://schemas.openxmlformats.org/drawingml/2006/main" xmlns:r="http://schemas.openxmlformats.org/officeDocument/2006/relationships" xmlns:p="http://schemas.openxmlformats.org/presentationml/2006/main">
+  <p:tag name="NUM" val="7"/>
+</p:tagLst>
 </file>
 
 <file path=ppt/theme/theme1.xml><?xml version="1.0" encoding="utf-8"?>

--- a/Présentation.pptx
+++ b/Présentation.pptx
@@ -8,6 +8,9 @@
     <p:sldId id="256" r:id="rId2"/>
     <p:sldId id="257" r:id="rId3"/>
     <p:sldId id="258" r:id="rId4"/>
+    <p:sldId id="259" r:id="rId5"/>
+    <p:sldId id="260" r:id="rId6"/>
+    <p:sldId id="261" r:id="rId7"/>
   </p:sldIdLst>
   <p:sldSz cx="12192000" cy="6858000"/>
   <p:notesSz cx="6858000" cy="9144000"/>
@@ -517,7 +520,7 @@
           <a:p>
             <a:fld id="{83284890-85D2-4D7B-8EF5-15A9C1DB8F42}" type="datetimeFigureOut">
               <a:rPr lang="en-US" dirty="0"/>
-              <a:t>11/30/2021</a:t>
+              <a:t>12/1/2021</a:t>
             </a:fld>
             <a:endParaRPr lang="en-US" dirty="0"/>
           </a:p>
@@ -692,7 +695,7 @@
           <a:p>
             <a:fld id="{87157CC2-0FC8-4686-B024-99790E0F5162}" type="datetimeFigureOut">
               <a:rPr lang="en-US" dirty="0"/>
-              <a:t>11/30/2021</a:t>
+              <a:t>12/1/2021</a:t>
             </a:fld>
             <a:endParaRPr lang="en-US" dirty="0"/>
           </a:p>
@@ -867,7 +870,7 @@
           <a:p>
             <a:fld id="{F6764DA5-CD3D-4590-A511-FCD3BC7A793E}" type="datetimeFigureOut">
               <a:rPr lang="en-US" dirty="0"/>
-              <a:t>11/30/2021</a:t>
+              <a:t>12/1/2021</a:t>
             </a:fld>
             <a:endParaRPr lang="en-US" dirty="0"/>
           </a:p>
@@ -1032,7 +1035,7 @@
           <a:p>
             <a:fld id="{82F5661D-6934-4B32-B92C-470368BF1EC6}" type="datetimeFigureOut">
               <a:rPr lang="en-US" dirty="0"/>
-              <a:t>11/30/2021</a:t>
+              <a:t>12/1/2021</a:t>
             </a:fld>
             <a:endParaRPr lang="en-US" dirty="0"/>
           </a:p>
@@ -1340,7 +1343,7 @@
           <a:p>
             <a:fld id="{C6F822A4-8DA6-4447-9B1F-C5DB58435268}" type="datetimeFigureOut">
               <a:rPr lang="en-US" dirty="0"/>
-              <a:t>11/30/2021</a:t>
+              <a:t>12/1/2021</a:t>
             </a:fld>
             <a:endParaRPr lang="en-US" dirty="0"/>
           </a:p>
@@ -1722,7 +1725,7 @@
           <a:p>
             <a:fld id="{E548D31E-DCDA-41A7-9C67-C4B11B94D21D}" type="datetimeFigureOut">
               <a:rPr lang="en-US" dirty="0"/>
-              <a:t>11/30/2021</a:t>
+              <a:t>12/1/2021</a:t>
             </a:fld>
             <a:endParaRPr lang="en-US" dirty="0"/>
           </a:p>
@@ -2151,7 +2154,7 @@
           <a:p>
             <a:fld id="{9B3762C0-B258-48F1-ADE6-176B4174CCDD}" type="datetimeFigureOut">
               <a:rPr lang="en-US" dirty="0"/>
-              <a:t>11/30/2021</a:t>
+              <a:t>12/1/2021</a:t>
             </a:fld>
             <a:endParaRPr lang="en-US" dirty="0"/>
           </a:p>
@@ -2264,7 +2267,7 @@
           <a:p>
             <a:fld id="{677919A6-33EB-49BD-A62F-1FA56B9F9712}" type="datetimeFigureOut">
               <a:rPr lang="en-US" dirty="0"/>
-              <a:t>11/30/2021</a:t>
+              <a:t>12/1/2021</a:t>
             </a:fld>
             <a:endParaRPr lang="en-US" dirty="0"/>
           </a:p>
@@ -2354,7 +2357,7 @@
           <a:p>
             <a:fld id="{CA4E7D1B-D673-4CF6-8672-009D42ABD2A0}" type="datetimeFigureOut">
               <a:rPr lang="en-US" dirty="0"/>
-              <a:t>11/30/2021</a:t>
+              <a:t>12/1/2021</a:t>
             </a:fld>
             <a:endParaRPr lang="en-US" dirty="0"/>
           </a:p>
@@ -2699,7 +2702,7 @@
           <a:p>
             <a:fld id="{DA16AA21-1863-4931-97CB-99D0A168701B}" type="datetimeFigureOut">
               <a:rPr lang="en-US" dirty="0"/>
-              <a:t>11/30/2021</a:t>
+              <a:t>12/1/2021</a:t>
             </a:fld>
             <a:endParaRPr lang="en-US" dirty="0"/>
           </a:p>
@@ -3119,7 +3122,7 @@
           <a:p>
             <a:fld id="{3772C379-9A7C-4C87-A116-CBE9F58B04C5}" type="datetimeFigureOut">
               <a:rPr lang="en-US" dirty="0"/>
-              <a:t>11/30/2021</a:t>
+              <a:t>12/1/2021</a:t>
             </a:fld>
             <a:endParaRPr lang="en-US" dirty="0"/>
           </a:p>
@@ -3395,7 +3398,7 @@
           <a:p>
             <a:fld id="{8664C608-40B1-4030-A28D-5B74BC98ADCE}" type="datetimeFigureOut">
               <a:rPr lang="en-US" dirty="0"/>
-              <a:t>11/30/2021</a:t>
+              <a:t>12/1/2021</a:t>
             </a:fld>
             <a:endParaRPr lang="en-US" dirty="0"/>
           </a:p>
@@ -5017,6 +5020,1422 @@
 </p:sld>
 </file>
 
+<file path=ppt/slides/slide4.xml><?xml version="1.0" encoding="utf-8"?>
+<p:sld xmlns:a="http://schemas.openxmlformats.org/drawingml/2006/main" xmlns:r="http://schemas.openxmlformats.org/officeDocument/2006/relationships" xmlns:p="http://schemas.openxmlformats.org/presentationml/2006/main">
+  <p:cSld>
+    <p:spTree>
+      <p:nvGrpSpPr>
+        <p:cNvPr id="1" name=""/>
+        <p:cNvGrpSpPr/>
+        <p:nvPr/>
+      </p:nvGrpSpPr>
+      <p:grpSpPr>
+        <a:xfrm>
+          <a:off x="0" y="0"/>
+          <a:ext cx="0" cy="0"/>
+          <a:chOff x="0" y="0"/>
+          <a:chExt cx="0" cy="0"/>
+        </a:xfrm>
+      </p:grpSpPr>
+      <p:sp>
+        <p:nvSpPr>
+          <p:cNvPr id="2" name="Titre 1">
+            <a:extLst>
+              <a:ext uri="{FF2B5EF4-FFF2-40B4-BE49-F238E27FC236}">
+                <a16:creationId xmlns:a16="http://schemas.microsoft.com/office/drawing/2014/main" id="{6622AD05-D28F-4FB2-ABBC-905C9B546CED}"/>
+              </a:ext>
+            </a:extLst>
+          </p:cNvPr>
+          <p:cNvSpPr>
+            <a:spLocks noGrp="1"/>
+          </p:cNvSpPr>
+          <p:nvPr>
+            <p:ph type="title"/>
+          </p:nvPr>
+        </p:nvSpPr>
+        <p:spPr>
+          <a:xfrm>
+            <a:off x="1066800" y="-369383"/>
+            <a:ext cx="10058400" cy="1609344"/>
+          </a:xfrm>
+        </p:spPr>
+        <p:txBody>
+          <a:bodyPr/>
+          <a:lstStyle/>
+          <a:p>
+            <a:pPr algn="ctr"/>
+            <a:r>
+              <a:rPr lang="en-CA" dirty="0"/>
+              <a:t>Interface du Bot</a:t>
+            </a:r>
+            <a:endParaRPr lang="fr-CA" dirty="0"/>
+          </a:p>
+        </p:txBody>
+      </p:sp>
+      <p:pic>
+        <p:nvPicPr>
+          <p:cNvPr id="4" name="Image 3">
+            <a:extLst>
+              <a:ext uri="{FF2B5EF4-FFF2-40B4-BE49-F238E27FC236}">
+                <a16:creationId xmlns:a16="http://schemas.microsoft.com/office/drawing/2014/main" id="{964FE3D1-55B5-41FF-B12A-1199C0774CCF}"/>
+              </a:ext>
+            </a:extLst>
+          </p:cNvPr>
+          <p:cNvPicPr>
+            <a:picLocks noChangeAspect="1"/>
+          </p:cNvPicPr>
+          <p:nvPr/>
+        </p:nvPicPr>
+        <p:blipFill>
+          <a:blip r:embed="rId4"/>
+          <a:stretch>
+            <a:fillRect/>
+          </a:stretch>
+        </p:blipFill>
+        <p:spPr>
+          <a:xfrm>
+            <a:off x="1928919" y="750498"/>
+            <a:ext cx="8334161" cy="5940448"/>
+          </a:xfrm>
+          <a:prstGeom prst="rect">
+            <a:avLst/>
+          </a:prstGeom>
+        </p:spPr>
+      </p:pic>
+      <p:sp>
+        <p:nvSpPr>
+          <p:cNvPr id="5" name="Parenthèse ouvrante 4">
+            <a:extLst>
+              <a:ext uri="{FF2B5EF4-FFF2-40B4-BE49-F238E27FC236}">
+                <a16:creationId xmlns:a16="http://schemas.microsoft.com/office/drawing/2014/main" id="{85A1B421-81FD-4CF7-89CD-1A967A7389D7}"/>
+              </a:ext>
+            </a:extLst>
+          </p:cNvPr>
+          <p:cNvSpPr/>
+          <p:nvPr>
+            <p:custDataLst>
+              <p:tags r:id="rId1"/>
+            </p:custDataLst>
+          </p:nvPr>
+        </p:nvSpPr>
+        <p:spPr>
+          <a:xfrm flipH="1">
+            <a:off x="7013275" y="1164566"/>
+            <a:ext cx="2284532" cy="4685005"/>
+          </a:xfrm>
+          <a:prstGeom prst="leftBracket">
+            <a:avLst/>
+          </a:prstGeom>
+          <a:ln>
+            <a:solidFill>
+              <a:schemeClr val="tx1"/>
+            </a:solidFill>
+          </a:ln>
+        </p:spPr>
+        <p:style>
+          <a:lnRef idx="1">
+            <a:schemeClr val="accent1"/>
+          </a:lnRef>
+          <a:fillRef idx="0">
+            <a:schemeClr val="accent1"/>
+          </a:fillRef>
+          <a:effectRef idx="0">
+            <a:schemeClr val="accent1"/>
+          </a:effectRef>
+          <a:fontRef idx="minor">
+            <a:schemeClr val="tx1"/>
+          </a:fontRef>
+        </p:style>
+        <p:txBody>
+          <a:bodyPr rtlCol="0" anchor="ctr"/>
+          <a:lstStyle/>
+          <a:p>
+            <a:pPr algn="ctr"/>
+            <a:endParaRPr lang="fr-CA"/>
+          </a:p>
+        </p:txBody>
+      </p:sp>
+      <p:cxnSp>
+        <p:nvCxnSpPr>
+          <p:cNvPr id="6" name="Connecteur droit avec flèche 5">
+            <a:extLst>
+              <a:ext uri="{FF2B5EF4-FFF2-40B4-BE49-F238E27FC236}">
+                <a16:creationId xmlns:a16="http://schemas.microsoft.com/office/drawing/2014/main" id="{57328880-8343-44A8-A873-F371146FBA89}"/>
+              </a:ext>
+            </a:extLst>
+          </p:cNvPr>
+          <p:cNvCxnSpPr>
+            <a:cxnSpLocks/>
+          </p:cNvCxnSpPr>
+          <p:nvPr>
+            <p:custDataLst>
+              <p:tags r:id="rId2"/>
+            </p:custDataLst>
+          </p:nvPr>
+        </p:nvCxnSpPr>
+        <p:spPr>
+          <a:xfrm flipH="1">
+            <a:off x="9297807" y="2774828"/>
+            <a:ext cx="484548" cy="0"/>
+          </a:xfrm>
+          <a:prstGeom prst="straightConnector1">
+            <a:avLst/>
+          </a:prstGeom>
+          <a:ln w="28575">
+            <a:solidFill>
+              <a:schemeClr val="tx1"/>
+            </a:solidFill>
+            <a:tailEnd type="triangle"/>
+          </a:ln>
+          <a:effectLst>
+            <a:outerShdw blurRad="50800" dist="38100" dir="5400000" algn="t" rotWithShape="0">
+              <a:prstClr val="black">
+                <a:alpha val="40000"/>
+              </a:prstClr>
+            </a:outerShdw>
+          </a:effectLst>
+        </p:spPr>
+        <p:style>
+          <a:lnRef idx="1">
+            <a:schemeClr val="accent1"/>
+          </a:lnRef>
+          <a:fillRef idx="0">
+            <a:schemeClr val="accent1"/>
+          </a:fillRef>
+          <a:effectRef idx="0">
+            <a:schemeClr val="accent1"/>
+          </a:effectRef>
+          <a:fontRef idx="minor">
+            <a:schemeClr val="tx1"/>
+          </a:fontRef>
+        </p:style>
+      </p:cxnSp>
+      <p:sp>
+        <p:nvSpPr>
+          <p:cNvPr id="9" name="ZoneTexte 8">
+            <a:extLst>
+              <a:ext uri="{FF2B5EF4-FFF2-40B4-BE49-F238E27FC236}">
+                <a16:creationId xmlns:a16="http://schemas.microsoft.com/office/drawing/2014/main" id="{91576C72-408A-47F6-BE5D-BE41EB0432B5}"/>
+              </a:ext>
+            </a:extLst>
+          </p:cNvPr>
+          <p:cNvSpPr txBox="1"/>
+          <p:nvPr/>
+        </p:nvSpPr>
+        <p:spPr>
+          <a:xfrm>
+            <a:off x="9782355" y="2575270"/>
+            <a:ext cx="2409646" cy="461665"/>
+          </a:xfrm>
+          <a:prstGeom prst="rect">
+            <a:avLst/>
+          </a:prstGeom>
+          <a:noFill/>
+        </p:spPr>
+        <p:txBody>
+          <a:bodyPr wrap="square">
+            <a:spAutoFit/>
+          </a:bodyPr>
+          <a:lstStyle/>
+          <a:p>
+            <a:r>
+              <a:rPr lang="en-CA" sz="1200" dirty="0" err="1"/>
+              <a:t>Permet</a:t>
+            </a:r>
+            <a:r>
+              <a:rPr lang="en-CA" sz="1200" dirty="0"/>
+              <a:t> de </a:t>
+            </a:r>
+            <a:r>
+              <a:rPr lang="en-CA" sz="1200" dirty="0" err="1"/>
+              <a:t>personnalisé</a:t>
+            </a:r>
+            <a:r>
+              <a:rPr lang="en-CA" sz="1200" dirty="0"/>
+              <a:t> la taille, le </a:t>
+            </a:r>
+            <a:r>
+              <a:rPr lang="en-CA" sz="1200" dirty="0" err="1"/>
+              <a:t>positionnement</a:t>
+            </a:r>
+            <a:r>
+              <a:rPr lang="en-CA" sz="1200" dirty="0"/>
+              <a:t>, </a:t>
+            </a:r>
+            <a:r>
+              <a:rPr lang="en-CA" sz="1200" dirty="0" err="1"/>
+              <a:t>etc</a:t>
+            </a:r>
+            <a:r>
+              <a:rPr lang="en-CA" sz="1200" dirty="0"/>
+              <a:t>…</a:t>
+            </a:r>
+            <a:endParaRPr lang="fr-CA" sz="1200" dirty="0"/>
+          </a:p>
+        </p:txBody>
+      </p:sp>
+    </p:spTree>
+    <p:extLst>
+      <p:ext uri="{BB962C8B-B14F-4D97-AF65-F5344CB8AC3E}">
+        <p14:creationId xmlns:p14="http://schemas.microsoft.com/office/powerpoint/2010/main" val="581873347"/>
+      </p:ext>
+    </p:extLst>
+  </p:cSld>
+  <p:clrMapOvr>
+    <a:masterClrMapping/>
+  </p:clrMapOvr>
+</p:sld>
+</file>
+
+<file path=ppt/slides/slide5.xml><?xml version="1.0" encoding="utf-8"?>
+<p:sld xmlns:a="http://schemas.openxmlformats.org/drawingml/2006/main" xmlns:r="http://schemas.openxmlformats.org/officeDocument/2006/relationships" xmlns:p="http://schemas.openxmlformats.org/presentationml/2006/main">
+  <p:cSld>
+    <p:spTree>
+      <p:nvGrpSpPr>
+        <p:cNvPr id="1" name=""/>
+        <p:cNvGrpSpPr/>
+        <p:nvPr/>
+      </p:nvGrpSpPr>
+      <p:grpSpPr>
+        <a:xfrm>
+          <a:off x="0" y="0"/>
+          <a:ext cx="0" cy="0"/>
+          <a:chOff x="0" y="0"/>
+          <a:chExt cx="0" cy="0"/>
+        </a:xfrm>
+      </p:grpSpPr>
+      <p:sp>
+        <p:nvSpPr>
+          <p:cNvPr id="2" name="Titre 1">
+            <a:extLst>
+              <a:ext uri="{FF2B5EF4-FFF2-40B4-BE49-F238E27FC236}">
+                <a16:creationId xmlns:a16="http://schemas.microsoft.com/office/drawing/2014/main" id="{B9D8FE45-96B8-4766-A20E-BD0EB047C343}"/>
+              </a:ext>
+            </a:extLst>
+          </p:cNvPr>
+          <p:cNvSpPr>
+            <a:spLocks noGrp="1"/>
+          </p:cNvSpPr>
+          <p:nvPr>
+            <p:ph type="title"/>
+          </p:nvPr>
+        </p:nvSpPr>
+        <p:spPr>
+          <a:xfrm>
+            <a:off x="1066800" y="-378009"/>
+            <a:ext cx="10058400" cy="1609344"/>
+          </a:xfrm>
+        </p:spPr>
+        <p:txBody>
+          <a:bodyPr/>
+          <a:lstStyle/>
+          <a:p>
+            <a:pPr algn="ctr"/>
+            <a:r>
+              <a:rPr lang="en-CA" dirty="0" err="1"/>
+              <a:t>Evenement</a:t>
+            </a:r>
+            <a:r>
+              <a:rPr lang="en-CA" dirty="0"/>
+              <a:t> Click</a:t>
+            </a:r>
+            <a:endParaRPr lang="fr-CA" dirty="0"/>
+          </a:p>
+        </p:txBody>
+      </p:sp>
+      <p:pic>
+        <p:nvPicPr>
+          <p:cNvPr id="4" name="Image 3">
+            <a:extLst>
+              <a:ext uri="{FF2B5EF4-FFF2-40B4-BE49-F238E27FC236}">
+                <a16:creationId xmlns:a16="http://schemas.microsoft.com/office/drawing/2014/main" id="{DC38BD5C-DB0E-41AF-A458-ADA2898B1253}"/>
+              </a:ext>
+            </a:extLst>
+          </p:cNvPr>
+          <p:cNvPicPr>
+            <a:picLocks noChangeAspect="1"/>
+          </p:cNvPicPr>
+          <p:nvPr/>
+        </p:nvPicPr>
+        <p:blipFill>
+          <a:blip r:embed="rId8"/>
+          <a:stretch>
+            <a:fillRect/>
+          </a:stretch>
+        </p:blipFill>
+        <p:spPr>
+          <a:xfrm>
+            <a:off x="2777843" y="738554"/>
+            <a:ext cx="6636313" cy="6057900"/>
+          </a:xfrm>
+          <a:prstGeom prst="rect">
+            <a:avLst/>
+          </a:prstGeom>
+        </p:spPr>
+      </p:pic>
+      <p:sp>
+        <p:nvSpPr>
+          <p:cNvPr id="5" name="Parenthèse ouvrante 4">
+            <a:extLst>
+              <a:ext uri="{FF2B5EF4-FFF2-40B4-BE49-F238E27FC236}">
+                <a16:creationId xmlns:a16="http://schemas.microsoft.com/office/drawing/2014/main" id="{BFFC1DD0-0F47-4E6F-9555-68ED28C6A219}"/>
+              </a:ext>
+            </a:extLst>
+          </p:cNvPr>
+          <p:cNvSpPr/>
+          <p:nvPr>
+            <p:custDataLst>
+              <p:tags r:id="rId1"/>
+            </p:custDataLst>
+          </p:nvPr>
+        </p:nvSpPr>
+        <p:spPr>
+          <a:xfrm rot="10800000">
+            <a:off x="5983855" y="5546784"/>
+            <a:ext cx="45719" cy="465827"/>
+          </a:xfrm>
+          <a:prstGeom prst="leftBracket">
+            <a:avLst/>
+          </a:prstGeom>
+          <a:ln>
+            <a:solidFill>
+              <a:schemeClr val="tx1"/>
+            </a:solidFill>
+          </a:ln>
+        </p:spPr>
+        <p:style>
+          <a:lnRef idx="1">
+            <a:schemeClr val="accent1"/>
+          </a:lnRef>
+          <a:fillRef idx="0">
+            <a:schemeClr val="accent1"/>
+          </a:fillRef>
+          <a:effectRef idx="0">
+            <a:schemeClr val="accent1"/>
+          </a:effectRef>
+          <a:fontRef idx="minor">
+            <a:schemeClr val="tx1"/>
+          </a:fontRef>
+        </p:style>
+        <p:txBody>
+          <a:bodyPr rtlCol="0" anchor="ctr"/>
+          <a:lstStyle/>
+          <a:p>
+            <a:pPr algn="ctr"/>
+            <a:endParaRPr lang="fr-CA"/>
+          </a:p>
+        </p:txBody>
+      </p:sp>
+      <p:sp>
+        <p:nvSpPr>
+          <p:cNvPr id="7" name="Parenthèse ouvrante 6">
+            <a:extLst>
+              <a:ext uri="{FF2B5EF4-FFF2-40B4-BE49-F238E27FC236}">
+                <a16:creationId xmlns:a16="http://schemas.microsoft.com/office/drawing/2014/main" id="{B8A75D6B-CD7A-411B-A7C1-D0DBADCA068B}"/>
+              </a:ext>
+            </a:extLst>
+          </p:cNvPr>
+          <p:cNvSpPr/>
+          <p:nvPr>
+            <p:custDataLst>
+              <p:tags r:id="rId2"/>
+            </p:custDataLst>
+          </p:nvPr>
+        </p:nvSpPr>
+        <p:spPr>
+          <a:xfrm rot="10800000">
+            <a:off x="7499229" y="3680603"/>
+            <a:ext cx="45719" cy="465827"/>
+          </a:xfrm>
+          <a:prstGeom prst="leftBracket">
+            <a:avLst/>
+          </a:prstGeom>
+          <a:ln>
+            <a:solidFill>
+              <a:schemeClr val="tx1"/>
+            </a:solidFill>
+          </a:ln>
+        </p:spPr>
+        <p:style>
+          <a:lnRef idx="1">
+            <a:schemeClr val="accent1"/>
+          </a:lnRef>
+          <a:fillRef idx="0">
+            <a:schemeClr val="accent1"/>
+          </a:fillRef>
+          <a:effectRef idx="0">
+            <a:schemeClr val="accent1"/>
+          </a:effectRef>
+          <a:fontRef idx="minor">
+            <a:schemeClr val="tx1"/>
+          </a:fontRef>
+        </p:style>
+        <p:txBody>
+          <a:bodyPr rtlCol="0" anchor="ctr"/>
+          <a:lstStyle/>
+          <a:p>
+            <a:pPr algn="ctr"/>
+            <a:endParaRPr lang="fr-CA"/>
+          </a:p>
+        </p:txBody>
+      </p:sp>
+      <p:sp>
+        <p:nvSpPr>
+          <p:cNvPr id="8" name="Parenthèse ouvrante 7">
+            <a:extLst>
+              <a:ext uri="{FF2B5EF4-FFF2-40B4-BE49-F238E27FC236}">
+                <a16:creationId xmlns:a16="http://schemas.microsoft.com/office/drawing/2014/main" id="{27AB55D5-C47E-4F5E-A37A-D26874ACF002}"/>
+              </a:ext>
+            </a:extLst>
+          </p:cNvPr>
+          <p:cNvSpPr/>
+          <p:nvPr>
+            <p:custDataLst>
+              <p:tags r:id="rId3"/>
+            </p:custDataLst>
+          </p:nvPr>
+        </p:nvSpPr>
+        <p:spPr>
+          <a:xfrm rot="10800000">
+            <a:off x="7439424" y="1368723"/>
+            <a:ext cx="45719" cy="465827"/>
+          </a:xfrm>
+          <a:prstGeom prst="leftBracket">
+            <a:avLst/>
+          </a:prstGeom>
+          <a:ln>
+            <a:solidFill>
+              <a:schemeClr val="tx1"/>
+            </a:solidFill>
+          </a:ln>
+        </p:spPr>
+        <p:style>
+          <a:lnRef idx="1">
+            <a:schemeClr val="accent1"/>
+          </a:lnRef>
+          <a:fillRef idx="0">
+            <a:schemeClr val="accent1"/>
+          </a:fillRef>
+          <a:effectRef idx="0">
+            <a:schemeClr val="accent1"/>
+          </a:effectRef>
+          <a:fontRef idx="minor">
+            <a:schemeClr val="tx1"/>
+          </a:fontRef>
+        </p:style>
+        <p:txBody>
+          <a:bodyPr rtlCol="0" anchor="ctr"/>
+          <a:lstStyle/>
+          <a:p>
+            <a:pPr algn="ctr"/>
+            <a:endParaRPr lang="fr-CA"/>
+          </a:p>
+        </p:txBody>
+      </p:sp>
+      <p:cxnSp>
+        <p:nvCxnSpPr>
+          <p:cNvPr id="9" name="Connecteur droit avec flèche 8">
+            <a:extLst>
+              <a:ext uri="{FF2B5EF4-FFF2-40B4-BE49-F238E27FC236}">
+                <a16:creationId xmlns:a16="http://schemas.microsoft.com/office/drawing/2014/main" id="{EFB6FE5C-4144-4429-8D7E-458C134A5654}"/>
+              </a:ext>
+            </a:extLst>
+          </p:cNvPr>
+          <p:cNvCxnSpPr>
+            <a:cxnSpLocks/>
+          </p:cNvCxnSpPr>
+          <p:nvPr>
+            <p:custDataLst>
+              <p:tags r:id="rId4"/>
+            </p:custDataLst>
+          </p:nvPr>
+        </p:nvCxnSpPr>
+        <p:spPr>
+          <a:xfrm flipH="1">
+            <a:off x="6029574" y="5546784"/>
+            <a:ext cx="1626793" cy="175840"/>
+          </a:xfrm>
+          <a:prstGeom prst="straightConnector1">
+            <a:avLst/>
+          </a:prstGeom>
+          <a:ln w="28575">
+            <a:solidFill>
+              <a:schemeClr val="tx1"/>
+            </a:solidFill>
+            <a:tailEnd type="triangle"/>
+          </a:ln>
+          <a:effectLst>
+            <a:outerShdw blurRad="50800" dist="38100" dir="5400000" algn="t" rotWithShape="0">
+              <a:prstClr val="black">
+                <a:alpha val="40000"/>
+              </a:prstClr>
+            </a:outerShdw>
+          </a:effectLst>
+        </p:spPr>
+        <p:style>
+          <a:lnRef idx="1">
+            <a:schemeClr val="accent1"/>
+          </a:lnRef>
+          <a:fillRef idx="0">
+            <a:schemeClr val="accent1"/>
+          </a:fillRef>
+          <a:effectRef idx="0">
+            <a:schemeClr val="accent1"/>
+          </a:effectRef>
+          <a:fontRef idx="minor">
+            <a:schemeClr val="tx1"/>
+          </a:fontRef>
+        </p:style>
+      </p:cxnSp>
+      <p:cxnSp>
+        <p:nvCxnSpPr>
+          <p:cNvPr id="10" name="Connecteur droit avec flèche 9">
+            <a:extLst>
+              <a:ext uri="{FF2B5EF4-FFF2-40B4-BE49-F238E27FC236}">
+                <a16:creationId xmlns:a16="http://schemas.microsoft.com/office/drawing/2014/main" id="{358ED12F-7E77-45BA-A41A-9DA5032A1A07}"/>
+              </a:ext>
+            </a:extLst>
+          </p:cNvPr>
+          <p:cNvCxnSpPr>
+            <a:cxnSpLocks/>
+          </p:cNvCxnSpPr>
+          <p:nvPr>
+            <p:custDataLst>
+              <p:tags r:id="rId5"/>
+            </p:custDataLst>
+          </p:nvPr>
+        </p:nvCxnSpPr>
+        <p:spPr>
+          <a:xfrm flipH="1" flipV="1">
+            <a:off x="7485144" y="1601636"/>
+            <a:ext cx="2167814" cy="241956"/>
+          </a:xfrm>
+          <a:prstGeom prst="straightConnector1">
+            <a:avLst/>
+          </a:prstGeom>
+          <a:ln w="28575">
+            <a:solidFill>
+              <a:schemeClr val="tx1"/>
+            </a:solidFill>
+            <a:tailEnd type="triangle"/>
+          </a:ln>
+          <a:effectLst>
+            <a:outerShdw blurRad="50800" dist="38100" dir="5400000" algn="t" rotWithShape="0">
+              <a:prstClr val="black">
+                <a:alpha val="40000"/>
+              </a:prstClr>
+            </a:outerShdw>
+          </a:effectLst>
+        </p:spPr>
+        <p:style>
+          <a:lnRef idx="1">
+            <a:schemeClr val="accent1"/>
+          </a:lnRef>
+          <a:fillRef idx="0">
+            <a:schemeClr val="accent1"/>
+          </a:fillRef>
+          <a:effectRef idx="0">
+            <a:schemeClr val="accent1"/>
+          </a:effectRef>
+          <a:fontRef idx="minor">
+            <a:schemeClr val="tx1"/>
+          </a:fontRef>
+        </p:style>
+      </p:cxnSp>
+      <p:cxnSp>
+        <p:nvCxnSpPr>
+          <p:cNvPr id="12" name="Connecteur droit avec flèche 11">
+            <a:extLst>
+              <a:ext uri="{FF2B5EF4-FFF2-40B4-BE49-F238E27FC236}">
+                <a16:creationId xmlns:a16="http://schemas.microsoft.com/office/drawing/2014/main" id="{599F7C63-F4EE-4E13-A26A-D5E52E5AB767}"/>
+              </a:ext>
+            </a:extLst>
+          </p:cNvPr>
+          <p:cNvCxnSpPr>
+            <a:cxnSpLocks/>
+          </p:cNvCxnSpPr>
+          <p:nvPr>
+            <p:custDataLst>
+              <p:tags r:id="rId6"/>
+            </p:custDataLst>
+          </p:nvPr>
+        </p:nvCxnSpPr>
+        <p:spPr>
+          <a:xfrm flipH="1">
+            <a:off x="7544949" y="1984075"/>
+            <a:ext cx="2108009" cy="1872368"/>
+          </a:xfrm>
+          <a:prstGeom prst="straightConnector1">
+            <a:avLst/>
+          </a:prstGeom>
+          <a:ln w="28575">
+            <a:solidFill>
+              <a:schemeClr val="tx1"/>
+            </a:solidFill>
+            <a:tailEnd type="triangle"/>
+          </a:ln>
+          <a:effectLst>
+            <a:outerShdw blurRad="50800" dist="38100" dir="5400000" algn="t" rotWithShape="0">
+              <a:prstClr val="black">
+                <a:alpha val="40000"/>
+              </a:prstClr>
+            </a:outerShdw>
+          </a:effectLst>
+        </p:spPr>
+        <p:style>
+          <a:lnRef idx="1">
+            <a:schemeClr val="accent1"/>
+          </a:lnRef>
+          <a:fillRef idx="0">
+            <a:schemeClr val="accent1"/>
+          </a:fillRef>
+          <a:effectRef idx="0">
+            <a:schemeClr val="accent1"/>
+          </a:effectRef>
+          <a:fontRef idx="minor">
+            <a:schemeClr val="tx1"/>
+          </a:fontRef>
+        </p:style>
+      </p:cxnSp>
+      <p:sp>
+        <p:nvSpPr>
+          <p:cNvPr id="15" name="ZoneTexte 14">
+            <a:extLst>
+              <a:ext uri="{FF2B5EF4-FFF2-40B4-BE49-F238E27FC236}">
+                <a16:creationId xmlns:a16="http://schemas.microsoft.com/office/drawing/2014/main" id="{F7C7F9DA-68DD-48AC-9D98-9AB8A6A366B4}"/>
+              </a:ext>
+            </a:extLst>
+          </p:cNvPr>
+          <p:cNvSpPr txBox="1"/>
+          <p:nvPr/>
+        </p:nvSpPr>
+        <p:spPr>
+          <a:xfrm>
+            <a:off x="7656367" y="5256364"/>
+            <a:ext cx="3029173" cy="461665"/>
+          </a:xfrm>
+          <a:prstGeom prst="rect">
+            <a:avLst/>
+          </a:prstGeom>
+          <a:noFill/>
+        </p:spPr>
+        <p:txBody>
+          <a:bodyPr wrap="square">
+            <a:spAutoFit/>
+          </a:bodyPr>
+          <a:lstStyle/>
+          <a:p>
+            <a:r>
+              <a:rPr lang="en-CA" sz="1200" dirty="0" err="1"/>
+              <a:t>Permet</a:t>
+            </a:r>
+            <a:r>
+              <a:rPr lang="en-CA" sz="1200" dirty="0"/>
+              <a:t> </a:t>
+            </a:r>
+            <a:r>
+              <a:rPr lang="en-CA" sz="1200" dirty="0" err="1"/>
+              <a:t>d’arreter</a:t>
+            </a:r>
+            <a:r>
+              <a:rPr lang="en-CA" sz="1200" dirty="0"/>
+              <a:t> le programme </a:t>
+            </a:r>
+            <a:r>
+              <a:rPr lang="en-CA" sz="1200" dirty="0" err="1"/>
+              <a:t>Powershell</a:t>
+            </a:r>
+            <a:endParaRPr lang="fr-CA" sz="1200" dirty="0"/>
+          </a:p>
+        </p:txBody>
+      </p:sp>
+      <p:sp>
+        <p:nvSpPr>
+          <p:cNvPr id="17" name="ZoneTexte 16">
+            <a:extLst>
+              <a:ext uri="{FF2B5EF4-FFF2-40B4-BE49-F238E27FC236}">
+                <a16:creationId xmlns:a16="http://schemas.microsoft.com/office/drawing/2014/main" id="{F7C576D2-A2EA-402D-8399-06E7B00F8D2C}"/>
+              </a:ext>
+            </a:extLst>
+          </p:cNvPr>
+          <p:cNvSpPr txBox="1"/>
+          <p:nvPr/>
+        </p:nvSpPr>
+        <p:spPr>
+          <a:xfrm>
+            <a:off x="9790980" y="1447382"/>
+            <a:ext cx="2355744" cy="646331"/>
+          </a:xfrm>
+          <a:prstGeom prst="rect">
+            <a:avLst/>
+          </a:prstGeom>
+          <a:noFill/>
+        </p:spPr>
+        <p:txBody>
+          <a:bodyPr wrap="square">
+            <a:spAutoFit/>
+          </a:bodyPr>
+          <a:lstStyle/>
+          <a:p>
+            <a:r>
+              <a:rPr lang="en-CA" sz="1200" dirty="0" err="1"/>
+              <a:t>Permet</a:t>
+            </a:r>
+            <a:r>
+              <a:rPr lang="en-CA" sz="1200" dirty="0"/>
+              <a:t> </a:t>
+            </a:r>
+            <a:r>
+              <a:rPr lang="en-CA" sz="1200" dirty="0" err="1"/>
+              <a:t>d’ajouter</a:t>
+            </a:r>
+            <a:r>
+              <a:rPr lang="en-CA" sz="1200" dirty="0"/>
+              <a:t> des </a:t>
+            </a:r>
+            <a:r>
+              <a:rPr lang="en-CA" sz="1200" dirty="0" err="1"/>
+              <a:t>évenement</a:t>
+            </a:r>
+            <a:r>
+              <a:rPr lang="en-CA" sz="1200" dirty="0"/>
+              <a:t> de Click pour </a:t>
+            </a:r>
+            <a:r>
+              <a:rPr lang="en-CA" sz="1200" dirty="0" err="1"/>
+              <a:t>pouvoir</a:t>
+            </a:r>
+            <a:r>
+              <a:rPr lang="en-CA" sz="1200" dirty="0"/>
+              <a:t> </a:t>
+            </a:r>
+            <a:r>
+              <a:rPr lang="en-CA" sz="1200" dirty="0" err="1"/>
+              <a:t>lancé</a:t>
+            </a:r>
+            <a:r>
+              <a:rPr lang="en-CA" sz="1200" dirty="0"/>
+              <a:t> </a:t>
+            </a:r>
+            <a:r>
+              <a:rPr lang="en-CA" sz="1200" dirty="0" err="1"/>
+              <a:t>d’autres</a:t>
+            </a:r>
+            <a:r>
+              <a:rPr lang="en-CA" sz="1200" dirty="0"/>
+              <a:t> script.</a:t>
+            </a:r>
+            <a:endParaRPr lang="fr-CA" sz="1200" dirty="0"/>
+          </a:p>
+        </p:txBody>
+      </p:sp>
+    </p:spTree>
+    <p:extLst>
+      <p:ext uri="{BB962C8B-B14F-4D97-AF65-F5344CB8AC3E}">
+        <p14:creationId xmlns:p14="http://schemas.microsoft.com/office/powerpoint/2010/main" val="667538811"/>
+      </p:ext>
+    </p:extLst>
+  </p:cSld>
+  <p:clrMapOvr>
+    <a:masterClrMapping/>
+  </p:clrMapOvr>
+</p:sld>
+</file>
+
+<file path=ppt/slides/slide6.xml><?xml version="1.0" encoding="utf-8"?>
+<p:sld xmlns:a="http://schemas.openxmlformats.org/drawingml/2006/main" xmlns:r="http://schemas.openxmlformats.org/officeDocument/2006/relationships" xmlns:p="http://schemas.openxmlformats.org/presentationml/2006/main">
+  <p:cSld>
+    <p:spTree>
+      <p:nvGrpSpPr>
+        <p:cNvPr id="1" name=""/>
+        <p:cNvGrpSpPr/>
+        <p:nvPr/>
+      </p:nvGrpSpPr>
+      <p:grpSpPr>
+        <a:xfrm>
+          <a:off x="0" y="0"/>
+          <a:ext cx="0" cy="0"/>
+          <a:chOff x="0" y="0"/>
+          <a:chExt cx="0" cy="0"/>
+        </a:xfrm>
+      </p:grpSpPr>
+      <p:sp>
+        <p:nvSpPr>
+          <p:cNvPr id="2" name="Titre 1">
+            <a:extLst>
+              <a:ext uri="{FF2B5EF4-FFF2-40B4-BE49-F238E27FC236}">
+                <a16:creationId xmlns:a16="http://schemas.microsoft.com/office/drawing/2014/main" id="{44EA60D6-ABCA-4573-9E95-1C8A2E7E5729}"/>
+              </a:ext>
+            </a:extLst>
+          </p:cNvPr>
+          <p:cNvSpPr>
+            <a:spLocks noGrp="1"/>
+          </p:cNvSpPr>
+          <p:nvPr>
+            <p:ph type="title"/>
+          </p:nvPr>
+        </p:nvSpPr>
+        <p:spPr>
+          <a:xfrm>
+            <a:off x="1066800" y="-385806"/>
+            <a:ext cx="10058400" cy="1609344"/>
+          </a:xfrm>
+        </p:spPr>
+        <p:txBody>
+          <a:bodyPr/>
+          <a:lstStyle/>
+          <a:p>
+            <a:pPr algn="ctr"/>
+            <a:r>
+              <a:rPr lang="en-CA" dirty="0"/>
+              <a:t>Initialisation du Forms</a:t>
+            </a:r>
+            <a:endParaRPr lang="fr-CA" dirty="0"/>
+          </a:p>
+        </p:txBody>
+      </p:sp>
+      <p:pic>
+        <p:nvPicPr>
+          <p:cNvPr id="4" name="Image 3">
+            <a:extLst>
+              <a:ext uri="{FF2B5EF4-FFF2-40B4-BE49-F238E27FC236}">
+                <a16:creationId xmlns:a16="http://schemas.microsoft.com/office/drawing/2014/main" id="{95D4A047-449D-4FDC-B8FF-92E5021AAE05}"/>
+              </a:ext>
+            </a:extLst>
+          </p:cNvPr>
+          <p:cNvPicPr>
+            <a:picLocks noChangeAspect="1"/>
+          </p:cNvPicPr>
+          <p:nvPr/>
+        </p:nvPicPr>
+        <p:blipFill>
+          <a:blip r:embed="rId11"/>
+          <a:stretch>
+            <a:fillRect/>
+          </a:stretch>
+        </p:blipFill>
+        <p:spPr>
+          <a:xfrm>
+            <a:off x="108598" y="657796"/>
+            <a:ext cx="8211696" cy="2324424"/>
+          </a:xfrm>
+          <a:prstGeom prst="rect">
+            <a:avLst/>
+          </a:prstGeom>
+        </p:spPr>
+      </p:pic>
+      <p:pic>
+        <p:nvPicPr>
+          <p:cNvPr id="6" name="Image 5">
+            <a:extLst>
+              <a:ext uri="{FF2B5EF4-FFF2-40B4-BE49-F238E27FC236}">
+                <a16:creationId xmlns:a16="http://schemas.microsoft.com/office/drawing/2014/main" id="{A9881F55-E975-49C5-8937-602A6BFBCB26}"/>
+              </a:ext>
+            </a:extLst>
+          </p:cNvPr>
+          <p:cNvPicPr>
+            <a:picLocks noChangeAspect="1"/>
+          </p:cNvPicPr>
+          <p:nvPr/>
+        </p:nvPicPr>
+        <p:blipFill>
+          <a:blip r:embed="rId12"/>
+          <a:stretch>
+            <a:fillRect/>
+          </a:stretch>
+        </p:blipFill>
+        <p:spPr>
+          <a:xfrm>
+            <a:off x="108598" y="3429000"/>
+            <a:ext cx="6424087" cy="3293567"/>
+          </a:xfrm>
+          <a:prstGeom prst="rect">
+            <a:avLst/>
+          </a:prstGeom>
+        </p:spPr>
+      </p:pic>
+      <p:cxnSp>
+        <p:nvCxnSpPr>
+          <p:cNvPr id="7" name="Connecteur droit avec flèche 6">
+            <a:extLst>
+              <a:ext uri="{FF2B5EF4-FFF2-40B4-BE49-F238E27FC236}">
+                <a16:creationId xmlns:a16="http://schemas.microsoft.com/office/drawing/2014/main" id="{513CA80D-ACF4-4C5D-AC4C-69BA7D656F7C}"/>
+              </a:ext>
+            </a:extLst>
+          </p:cNvPr>
+          <p:cNvCxnSpPr>
+            <a:cxnSpLocks/>
+          </p:cNvCxnSpPr>
+          <p:nvPr>
+            <p:custDataLst>
+              <p:tags r:id="rId1"/>
+            </p:custDataLst>
+          </p:nvPr>
+        </p:nvCxnSpPr>
+        <p:spPr>
+          <a:xfrm flipH="1">
+            <a:off x="1472965" y="3364302"/>
+            <a:ext cx="2417548" cy="141163"/>
+          </a:xfrm>
+          <a:prstGeom prst="straightConnector1">
+            <a:avLst/>
+          </a:prstGeom>
+          <a:ln w="28575">
+            <a:solidFill>
+              <a:schemeClr val="tx1"/>
+            </a:solidFill>
+            <a:tailEnd type="triangle"/>
+          </a:ln>
+          <a:effectLst>
+            <a:outerShdw blurRad="50800" dist="38100" dir="5400000" algn="t" rotWithShape="0">
+              <a:prstClr val="black">
+                <a:alpha val="40000"/>
+              </a:prstClr>
+            </a:outerShdw>
+          </a:effectLst>
+        </p:spPr>
+        <p:style>
+          <a:lnRef idx="1">
+            <a:schemeClr val="accent1"/>
+          </a:lnRef>
+          <a:fillRef idx="0">
+            <a:schemeClr val="accent1"/>
+          </a:fillRef>
+          <a:effectRef idx="0">
+            <a:schemeClr val="accent1"/>
+          </a:effectRef>
+          <a:fontRef idx="minor">
+            <a:schemeClr val="tx1"/>
+          </a:fontRef>
+        </p:style>
+      </p:cxnSp>
+      <p:cxnSp>
+        <p:nvCxnSpPr>
+          <p:cNvPr id="9" name="Connecteur droit avec flèche 8">
+            <a:extLst>
+              <a:ext uri="{FF2B5EF4-FFF2-40B4-BE49-F238E27FC236}">
+                <a16:creationId xmlns:a16="http://schemas.microsoft.com/office/drawing/2014/main" id="{77D34A58-EB8C-4CEE-BB40-0254570AF2B3}"/>
+              </a:ext>
+            </a:extLst>
+          </p:cNvPr>
+          <p:cNvCxnSpPr>
+            <a:cxnSpLocks/>
+          </p:cNvCxnSpPr>
+          <p:nvPr>
+            <p:custDataLst>
+              <p:tags r:id="rId2"/>
+            </p:custDataLst>
+          </p:nvPr>
+        </p:nvCxnSpPr>
+        <p:spPr>
+          <a:xfrm flipH="1">
+            <a:off x="5221653" y="4233871"/>
+            <a:ext cx="2768367" cy="578841"/>
+          </a:xfrm>
+          <a:prstGeom prst="straightConnector1">
+            <a:avLst/>
+          </a:prstGeom>
+          <a:ln w="28575">
+            <a:solidFill>
+              <a:schemeClr val="tx1"/>
+            </a:solidFill>
+            <a:tailEnd type="triangle"/>
+          </a:ln>
+          <a:effectLst>
+            <a:outerShdw blurRad="50800" dist="38100" dir="5400000" algn="t" rotWithShape="0">
+              <a:prstClr val="black">
+                <a:alpha val="40000"/>
+              </a:prstClr>
+            </a:outerShdw>
+          </a:effectLst>
+        </p:spPr>
+        <p:style>
+          <a:lnRef idx="1">
+            <a:schemeClr val="accent1"/>
+          </a:lnRef>
+          <a:fillRef idx="0">
+            <a:schemeClr val="accent1"/>
+          </a:fillRef>
+          <a:effectRef idx="0">
+            <a:schemeClr val="accent1"/>
+          </a:effectRef>
+          <a:fontRef idx="minor">
+            <a:schemeClr val="tx1"/>
+          </a:fontRef>
+        </p:style>
+      </p:cxnSp>
+      <p:sp>
+        <p:nvSpPr>
+          <p:cNvPr id="10" name="Parenthèse ouvrante 9">
+            <a:extLst>
+              <a:ext uri="{FF2B5EF4-FFF2-40B4-BE49-F238E27FC236}">
+                <a16:creationId xmlns:a16="http://schemas.microsoft.com/office/drawing/2014/main" id="{5D6A74EA-B729-4E2A-8971-3AD2E5125AAA}"/>
+              </a:ext>
+            </a:extLst>
+          </p:cNvPr>
+          <p:cNvSpPr/>
+          <p:nvPr>
+            <p:custDataLst>
+              <p:tags r:id="rId3"/>
+            </p:custDataLst>
+          </p:nvPr>
+        </p:nvSpPr>
+        <p:spPr>
+          <a:xfrm rot="10800000">
+            <a:off x="5148501" y="4555609"/>
+            <a:ext cx="73152" cy="914400"/>
+          </a:xfrm>
+          <a:prstGeom prst="leftBracket">
+            <a:avLst/>
+          </a:prstGeom>
+          <a:ln>
+            <a:solidFill>
+              <a:schemeClr val="tx1"/>
+            </a:solidFill>
+          </a:ln>
+        </p:spPr>
+        <p:style>
+          <a:lnRef idx="1">
+            <a:schemeClr val="accent1"/>
+          </a:lnRef>
+          <a:fillRef idx="0">
+            <a:schemeClr val="accent1"/>
+          </a:fillRef>
+          <a:effectRef idx="0">
+            <a:schemeClr val="accent1"/>
+          </a:effectRef>
+          <a:fontRef idx="minor">
+            <a:schemeClr val="tx1"/>
+          </a:fontRef>
+        </p:style>
+        <p:txBody>
+          <a:bodyPr rtlCol="0" anchor="ctr"/>
+          <a:lstStyle/>
+          <a:p>
+            <a:pPr algn="ctr"/>
+            <a:endParaRPr lang="fr-CA"/>
+          </a:p>
+        </p:txBody>
+      </p:sp>
+      <p:cxnSp>
+        <p:nvCxnSpPr>
+          <p:cNvPr id="12" name="Connecteur droit avec flèche 11">
+            <a:extLst>
+              <a:ext uri="{FF2B5EF4-FFF2-40B4-BE49-F238E27FC236}">
+                <a16:creationId xmlns:a16="http://schemas.microsoft.com/office/drawing/2014/main" id="{94C57700-77E9-4E63-9F24-785114641237}"/>
+              </a:ext>
+            </a:extLst>
+          </p:cNvPr>
+          <p:cNvCxnSpPr>
+            <a:cxnSpLocks/>
+          </p:cNvCxnSpPr>
+          <p:nvPr>
+            <p:custDataLst>
+              <p:tags r:id="rId4"/>
+            </p:custDataLst>
+          </p:nvPr>
+        </p:nvCxnSpPr>
+        <p:spPr>
+          <a:xfrm flipH="1">
+            <a:off x="7758747" y="1376346"/>
+            <a:ext cx="1626793" cy="175840"/>
+          </a:xfrm>
+          <a:prstGeom prst="straightConnector1">
+            <a:avLst/>
+          </a:prstGeom>
+          <a:ln w="28575">
+            <a:solidFill>
+              <a:schemeClr val="tx1"/>
+            </a:solidFill>
+            <a:tailEnd type="triangle"/>
+          </a:ln>
+          <a:effectLst>
+            <a:outerShdw blurRad="50800" dist="38100" dir="5400000" algn="t" rotWithShape="0">
+              <a:prstClr val="black">
+                <a:alpha val="40000"/>
+              </a:prstClr>
+            </a:outerShdw>
+          </a:effectLst>
+        </p:spPr>
+        <p:style>
+          <a:lnRef idx="1">
+            <a:schemeClr val="accent1"/>
+          </a:lnRef>
+          <a:fillRef idx="0">
+            <a:schemeClr val="accent1"/>
+          </a:fillRef>
+          <a:effectRef idx="0">
+            <a:schemeClr val="accent1"/>
+          </a:effectRef>
+          <a:fontRef idx="minor">
+            <a:schemeClr val="tx1"/>
+          </a:fontRef>
+        </p:style>
+      </p:cxnSp>
+      <p:cxnSp>
+        <p:nvCxnSpPr>
+          <p:cNvPr id="14" name="Connecteur droit avec flèche 13">
+            <a:extLst>
+              <a:ext uri="{FF2B5EF4-FFF2-40B4-BE49-F238E27FC236}">
+                <a16:creationId xmlns:a16="http://schemas.microsoft.com/office/drawing/2014/main" id="{8CE9A726-EA48-4DAA-854B-E9486FE222CB}"/>
+              </a:ext>
+            </a:extLst>
+          </p:cNvPr>
+          <p:cNvCxnSpPr>
+            <a:cxnSpLocks/>
+          </p:cNvCxnSpPr>
+          <p:nvPr>
+            <p:custDataLst>
+              <p:tags r:id="rId5"/>
+            </p:custDataLst>
+          </p:nvPr>
+        </p:nvCxnSpPr>
+        <p:spPr>
+          <a:xfrm flipH="1" flipV="1">
+            <a:off x="2111867" y="1778782"/>
+            <a:ext cx="2287605" cy="253515"/>
+          </a:xfrm>
+          <a:prstGeom prst="straightConnector1">
+            <a:avLst/>
+          </a:prstGeom>
+          <a:ln w="28575">
+            <a:solidFill>
+              <a:schemeClr val="tx1"/>
+            </a:solidFill>
+            <a:tailEnd type="triangle"/>
+          </a:ln>
+          <a:effectLst>
+            <a:outerShdw blurRad="50800" dist="38100" dir="5400000" algn="t" rotWithShape="0">
+              <a:prstClr val="black">
+                <a:alpha val="40000"/>
+              </a:prstClr>
+            </a:outerShdw>
+          </a:effectLst>
+        </p:spPr>
+        <p:style>
+          <a:lnRef idx="1">
+            <a:schemeClr val="accent1"/>
+          </a:lnRef>
+          <a:fillRef idx="0">
+            <a:schemeClr val="accent1"/>
+          </a:fillRef>
+          <a:effectRef idx="0">
+            <a:schemeClr val="accent1"/>
+          </a:effectRef>
+          <a:fontRef idx="minor">
+            <a:schemeClr val="tx1"/>
+          </a:fontRef>
+        </p:style>
+      </p:cxnSp>
+      <p:sp>
+        <p:nvSpPr>
+          <p:cNvPr id="16" name="ZoneTexte 15">
+            <a:extLst>
+              <a:ext uri="{FF2B5EF4-FFF2-40B4-BE49-F238E27FC236}">
+                <a16:creationId xmlns:a16="http://schemas.microsoft.com/office/drawing/2014/main" id="{1DD1F775-F8A1-4A77-903F-2B56C73229DD}"/>
+              </a:ext>
+            </a:extLst>
+          </p:cNvPr>
+          <p:cNvSpPr txBox="1"/>
+          <p:nvPr>
+            <p:custDataLst>
+              <p:tags r:id="rId6"/>
+            </p:custDataLst>
+          </p:nvPr>
+        </p:nvSpPr>
+        <p:spPr>
+          <a:xfrm>
+            <a:off x="4363303" y="1933740"/>
+            <a:ext cx="3993160" cy="276999"/>
+          </a:xfrm>
+          <a:prstGeom prst="rect">
+            <a:avLst/>
+          </a:prstGeom>
+          <a:noFill/>
+        </p:spPr>
+        <p:txBody>
+          <a:bodyPr wrap="square" rtlCol="0">
+            <a:spAutoFit/>
+          </a:bodyPr>
+          <a:lstStyle/>
+          <a:p>
+            <a:r>
+              <a:rPr lang="en-CA" sz="1200" dirty="0" err="1"/>
+              <a:t>Permet</a:t>
+            </a:r>
+            <a:r>
+              <a:rPr lang="en-CA" sz="1200" dirty="0"/>
+              <a:t> </a:t>
+            </a:r>
+            <a:r>
+              <a:rPr lang="en-CA" sz="1200" dirty="0" err="1"/>
+              <a:t>d’A</a:t>
+            </a:r>
+            <a:r>
+              <a:rPr lang="fr-CA" sz="1200" dirty="0" err="1"/>
+              <a:t>fficher</a:t>
+            </a:r>
+            <a:r>
+              <a:rPr lang="fr-CA" sz="1200" dirty="0"/>
+              <a:t> le Forms</a:t>
+            </a:r>
+          </a:p>
+        </p:txBody>
+      </p:sp>
+      <p:sp>
+        <p:nvSpPr>
+          <p:cNvPr id="17" name="ZoneTexte 16">
+            <a:extLst>
+              <a:ext uri="{FF2B5EF4-FFF2-40B4-BE49-F238E27FC236}">
+                <a16:creationId xmlns:a16="http://schemas.microsoft.com/office/drawing/2014/main" id="{A04F7675-C1EB-4BF7-82F5-0FF6D1FB6453}"/>
+              </a:ext>
+            </a:extLst>
+          </p:cNvPr>
+          <p:cNvSpPr txBox="1"/>
+          <p:nvPr>
+            <p:custDataLst>
+              <p:tags r:id="rId7"/>
+            </p:custDataLst>
+          </p:nvPr>
+        </p:nvSpPr>
+        <p:spPr>
+          <a:xfrm>
+            <a:off x="9385540" y="1161443"/>
+            <a:ext cx="2664081" cy="646331"/>
+          </a:xfrm>
+          <a:prstGeom prst="rect">
+            <a:avLst/>
+          </a:prstGeom>
+          <a:noFill/>
+        </p:spPr>
+        <p:txBody>
+          <a:bodyPr wrap="square" rtlCol="0">
+            <a:spAutoFit/>
+          </a:bodyPr>
+          <a:lstStyle/>
+          <a:p>
+            <a:r>
+              <a:rPr lang="en-CA" sz="1200" dirty="0"/>
+              <a:t>C</a:t>
+            </a:r>
+            <a:r>
+              <a:rPr lang="fr-CA" sz="1200" dirty="0" err="1"/>
+              <a:t>ette</a:t>
+            </a:r>
+            <a:r>
+              <a:rPr lang="fr-CA" sz="1200" dirty="0"/>
+              <a:t> ligne de code à pour but d’ajouter chaque composant crée dans le </a:t>
+            </a:r>
+            <a:r>
+              <a:rPr lang="fr-CA" sz="1200" dirty="0" err="1"/>
+              <a:t>Form</a:t>
+            </a:r>
+            <a:r>
+              <a:rPr lang="fr-CA" sz="1200" dirty="0"/>
+              <a:t>.</a:t>
+            </a:r>
+          </a:p>
+        </p:txBody>
+      </p:sp>
+      <p:sp>
+        <p:nvSpPr>
+          <p:cNvPr id="18" name="ZoneTexte 17">
+            <a:extLst>
+              <a:ext uri="{FF2B5EF4-FFF2-40B4-BE49-F238E27FC236}">
+                <a16:creationId xmlns:a16="http://schemas.microsoft.com/office/drawing/2014/main" id="{9D3F85E1-C019-4BBB-960C-10325F91E2AD}"/>
+              </a:ext>
+            </a:extLst>
+          </p:cNvPr>
+          <p:cNvSpPr txBox="1"/>
+          <p:nvPr>
+            <p:custDataLst>
+              <p:tags r:id="rId8"/>
+            </p:custDataLst>
+          </p:nvPr>
+        </p:nvSpPr>
+        <p:spPr>
+          <a:xfrm>
+            <a:off x="3903892" y="3198848"/>
+            <a:ext cx="3993160" cy="461665"/>
+          </a:xfrm>
+          <a:prstGeom prst="rect">
+            <a:avLst/>
+          </a:prstGeom>
+          <a:noFill/>
+        </p:spPr>
+        <p:txBody>
+          <a:bodyPr wrap="square" rtlCol="0">
+            <a:spAutoFit/>
+          </a:bodyPr>
+          <a:lstStyle/>
+          <a:p>
+            <a:r>
+              <a:rPr lang="fr-CA" sz="1200" dirty="0"/>
+              <a:t>Pour éviter la redondance j’ai crée une fonction pour les commandes vocale du Bot </a:t>
+            </a:r>
+          </a:p>
+        </p:txBody>
+      </p:sp>
+      <p:sp>
+        <p:nvSpPr>
+          <p:cNvPr id="19" name="ZoneTexte 18">
+            <a:extLst>
+              <a:ext uri="{FF2B5EF4-FFF2-40B4-BE49-F238E27FC236}">
+                <a16:creationId xmlns:a16="http://schemas.microsoft.com/office/drawing/2014/main" id="{40748CB5-E9E6-4C33-B714-D5FC16969614}"/>
+              </a:ext>
+            </a:extLst>
+          </p:cNvPr>
+          <p:cNvSpPr txBox="1"/>
+          <p:nvPr>
+            <p:custDataLst>
+              <p:tags r:id="rId9"/>
+            </p:custDataLst>
+          </p:nvPr>
+        </p:nvSpPr>
+        <p:spPr>
+          <a:xfrm>
+            <a:off x="7990020" y="3965026"/>
+            <a:ext cx="3993160" cy="461665"/>
+          </a:xfrm>
+          <a:prstGeom prst="rect">
+            <a:avLst/>
+          </a:prstGeom>
+          <a:noFill/>
+        </p:spPr>
+        <p:txBody>
+          <a:bodyPr wrap="square" rtlCol="0">
+            <a:spAutoFit/>
+          </a:bodyPr>
+          <a:lstStyle/>
+          <a:p>
+            <a:r>
+              <a:rPr lang="en-CA" sz="1200" dirty="0"/>
+              <a:t>C</a:t>
+            </a:r>
+            <a:r>
+              <a:rPr lang="fr-CA" sz="1200" dirty="0" err="1"/>
+              <a:t>ette</a:t>
+            </a:r>
+            <a:r>
+              <a:rPr lang="fr-CA" sz="1200" dirty="0"/>
+              <a:t> section nous permet de choisir la voix du Bot, ainsi que sa vitesse de parole.</a:t>
+            </a:r>
+          </a:p>
+        </p:txBody>
+      </p:sp>
+    </p:spTree>
+    <p:extLst>
+      <p:ext uri="{BB962C8B-B14F-4D97-AF65-F5344CB8AC3E}">
+        <p14:creationId xmlns:p14="http://schemas.microsoft.com/office/powerpoint/2010/main" val="420442518"/>
+      </p:ext>
+    </p:extLst>
+  </p:cSld>
+  <p:clrMapOvr>
+    <a:masterClrMapping/>
+  </p:clrMapOvr>
+</p:sld>
+</file>
+
 <file path=ppt/tags/tag1.xml><?xml version="1.0" encoding="utf-8"?>
 <p:tagLst xmlns:a="http://schemas.openxmlformats.org/drawingml/2006/main" xmlns:r="http://schemas.openxmlformats.org/officeDocument/2006/relationships" xmlns:p="http://schemas.openxmlformats.org/presentationml/2006/main">
   <p:tag name="NUM" val="1"/>
@@ -5107,9 +6526,111 @@
 </p:tagLst>
 </file>
 
+<file path=ppt/tags/tag23.xml><?xml version="1.0" encoding="utf-8"?>
+<p:tagLst xmlns:a="http://schemas.openxmlformats.org/drawingml/2006/main" xmlns:r="http://schemas.openxmlformats.org/officeDocument/2006/relationships" xmlns:p="http://schemas.openxmlformats.org/presentationml/2006/main">
+  <p:tag name="NUM" val="7"/>
+</p:tagLst>
+</file>
+
+<file path=ppt/tags/tag24.xml><?xml version="1.0" encoding="utf-8"?>
+<p:tagLst xmlns:a="http://schemas.openxmlformats.org/drawingml/2006/main" xmlns:r="http://schemas.openxmlformats.org/officeDocument/2006/relationships" xmlns:p="http://schemas.openxmlformats.org/presentationml/2006/main">
+  <p:tag name="NUM" val="4"/>
+</p:tagLst>
+</file>
+
+<file path=ppt/tags/tag25.xml><?xml version="1.0" encoding="utf-8"?>
+<p:tagLst xmlns:a="http://schemas.openxmlformats.org/drawingml/2006/main" xmlns:r="http://schemas.openxmlformats.org/officeDocument/2006/relationships" xmlns:p="http://schemas.openxmlformats.org/presentationml/2006/main">
+  <p:tag name="NUM" val="7"/>
+</p:tagLst>
+</file>
+
+<file path=ppt/tags/tag26.xml><?xml version="1.0" encoding="utf-8"?>
+<p:tagLst xmlns:a="http://schemas.openxmlformats.org/drawingml/2006/main" xmlns:r="http://schemas.openxmlformats.org/officeDocument/2006/relationships" xmlns:p="http://schemas.openxmlformats.org/presentationml/2006/main">
+  <p:tag name="NUM" val="7"/>
+</p:tagLst>
+</file>
+
+<file path=ppt/tags/tag27.xml><?xml version="1.0" encoding="utf-8"?>
+<p:tagLst xmlns:a="http://schemas.openxmlformats.org/drawingml/2006/main" xmlns:r="http://schemas.openxmlformats.org/officeDocument/2006/relationships" xmlns:p="http://schemas.openxmlformats.org/presentationml/2006/main">
+  <p:tag name="NUM" val="7"/>
+</p:tagLst>
+</file>
+
+<file path=ppt/tags/tag28.xml><?xml version="1.0" encoding="utf-8"?>
+<p:tagLst xmlns:a="http://schemas.openxmlformats.org/drawingml/2006/main" xmlns:r="http://schemas.openxmlformats.org/officeDocument/2006/relationships" xmlns:p="http://schemas.openxmlformats.org/presentationml/2006/main">
+  <p:tag name="NUM" val="4"/>
+</p:tagLst>
+</file>
+
+<file path=ppt/tags/tag29.xml><?xml version="1.0" encoding="utf-8"?>
+<p:tagLst xmlns:a="http://schemas.openxmlformats.org/drawingml/2006/main" xmlns:r="http://schemas.openxmlformats.org/officeDocument/2006/relationships" xmlns:p="http://schemas.openxmlformats.org/presentationml/2006/main">
+  <p:tag name="NUM" val="4"/>
+</p:tagLst>
+</file>
+
 <file path=ppt/tags/tag3.xml><?xml version="1.0" encoding="utf-8"?>
 <p:tagLst xmlns:a="http://schemas.openxmlformats.org/drawingml/2006/main" xmlns:r="http://schemas.openxmlformats.org/officeDocument/2006/relationships" xmlns:p="http://schemas.openxmlformats.org/presentationml/2006/main">
   <p:tag name="NUM" val="1"/>
+</p:tagLst>
+</file>
+
+<file path=ppt/tags/tag30.xml><?xml version="1.0" encoding="utf-8"?>
+<p:tagLst xmlns:a="http://schemas.openxmlformats.org/drawingml/2006/main" xmlns:r="http://schemas.openxmlformats.org/officeDocument/2006/relationships" xmlns:p="http://schemas.openxmlformats.org/presentationml/2006/main">
+  <p:tag name="NUM" val="4"/>
+</p:tagLst>
+</file>
+
+<file path=ppt/tags/tag31.xml><?xml version="1.0" encoding="utf-8"?>
+<p:tagLst xmlns:a="http://schemas.openxmlformats.org/drawingml/2006/main" xmlns:r="http://schemas.openxmlformats.org/officeDocument/2006/relationships" xmlns:p="http://schemas.openxmlformats.org/presentationml/2006/main">
+  <p:tag name="NUM" val="4"/>
+</p:tagLst>
+</file>
+
+<file path=ppt/tags/tag32.xml><?xml version="1.0" encoding="utf-8"?>
+<p:tagLst xmlns:a="http://schemas.openxmlformats.org/drawingml/2006/main" xmlns:r="http://schemas.openxmlformats.org/officeDocument/2006/relationships" xmlns:p="http://schemas.openxmlformats.org/presentationml/2006/main">
+  <p:tag name="NUM" val="4"/>
+</p:tagLst>
+</file>
+
+<file path=ppt/tags/tag33.xml><?xml version="1.0" encoding="utf-8"?>
+<p:tagLst xmlns:a="http://schemas.openxmlformats.org/drawingml/2006/main" xmlns:r="http://schemas.openxmlformats.org/officeDocument/2006/relationships" xmlns:p="http://schemas.openxmlformats.org/presentationml/2006/main">
+  <p:tag name="NUM" val="7"/>
+</p:tagLst>
+</file>
+
+<file path=ppt/tags/tag34.xml><?xml version="1.0" encoding="utf-8"?>
+<p:tagLst xmlns:a="http://schemas.openxmlformats.org/drawingml/2006/main" xmlns:r="http://schemas.openxmlformats.org/officeDocument/2006/relationships" xmlns:p="http://schemas.openxmlformats.org/presentationml/2006/main">
+  <p:tag name="NUM" val="4"/>
+</p:tagLst>
+</file>
+
+<file path=ppt/tags/tag35.xml><?xml version="1.0" encoding="utf-8"?>
+<p:tagLst xmlns:a="http://schemas.openxmlformats.org/drawingml/2006/main" xmlns:r="http://schemas.openxmlformats.org/officeDocument/2006/relationships" xmlns:p="http://schemas.openxmlformats.org/presentationml/2006/main">
+  <p:tag name="NUM" val="4"/>
+</p:tagLst>
+</file>
+
+<file path=ppt/tags/tag36.xml><?xml version="1.0" encoding="utf-8"?>
+<p:tagLst xmlns:a="http://schemas.openxmlformats.org/drawingml/2006/main" xmlns:r="http://schemas.openxmlformats.org/officeDocument/2006/relationships" xmlns:p="http://schemas.openxmlformats.org/presentationml/2006/main">
+  <p:tag name="NUM" val="3"/>
+</p:tagLst>
+</file>
+
+<file path=ppt/tags/tag37.xml><?xml version="1.0" encoding="utf-8"?>
+<p:tagLst xmlns:a="http://schemas.openxmlformats.org/drawingml/2006/main" xmlns:r="http://schemas.openxmlformats.org/officeDocument/2006/relationships" xmlns:p="http://schemas.openxmlformats.org/presentationml/2006/main">
+  <p:tag name="NUM" val="3"/>
+</p:tagLst>
+</file>
+
+<file path=ppt/tags/tag38.xml><?xml version="1.0" encoding="utf-8"?>
+<p:tagLst xmlns:a="http://schemas.openxmlformats.org/drawingml/2006/main" xmlns:r="http://schemas.openxmlformats.org/officeDocument/2006/relationships" xmlns:p="http://schemas.openxmlformats.org/presentationml/2006/main">
+  <p:tag name="NUM" val="3"/>
+</p:tagLst>
+</file>
+
+<file path=ppt/tags/tag39.xml><?xml version="1.0" encoding="utf-8"?>
+<p:tagLst xmlns:a="http://schemas.openxmlformats.org/drawingml/2006/main" xmlns:r="http://schemas.openxmlformats.org/officeDocument/2006/relationships" xmlns:p="http://schemas.openxmlformats.org/presentationml/2006/main">
+  <p:tag name="NUM" val="3"/>
 </p:tagLst>
 </file>
 

--- a/Présentation.pptx
+++ b/Présentation.pptx
@@ -520,7 +520,7 @@
           <a:p>
             <a:fld id="{83284890-85D2-4D7B-8EF5-15A9C1DB8F42}" type="datetimeFigureOut">
               <a:rPr lang="en-US" dirty="0"/>
-              <a:t>12/1/2021</a:t>
+              <a:t>12/7/2021</a:t>
             </a:fld>
             <a:endParaRPr lang="en-US" dirty="0"/>
           </a:p>
@@ -695,7 +695,7 @@
           <a:p>
             <a:fld id="{87157CC2-0FC8-4686-B024-99790E0F5162}" type="datetimeFigureOut">
               <a:rPr lang="en-US" dirty="0"/>
-              <a:t>12/1/2021</a:t>
+              <a:t>12/7/2021</a:t>
             </a:fld>
             <a:endParaRPr lang="en-US" dirty="0"/>
           </a:p>
@@ -870,7 +870,7 @@
           <a:p>
             <a:fld id="{F6764DA5-CD3D-4590-A511-FCD3BC7A793E}" type="datetimeFigureOut">
               <a:rPr lang="en-US" dirty="0"/>
-              <a:t>12/1/2021</a:t>
+              <a:t>12/7/2021</a:t>
             </a:fld>
             <a:endParaRPr lang="en-US" dirty="0"/>
           </a:p>
@@ -1035,7 +1035,7 @@
           <a:p>
             <a:fld id="{82F5661D-6934-4B32-B92C-470368BF1EC6}" type="datetimeFigureOut">
               <a:rPr lang="en-US" dirty="0"/>
-              <a:t>12/1/2021</a:t>
+              <a:t>12/7/2021</a:t>
             </a:fld>
             <a:endParaRPr lang="en-US" dirty="0"/>
           </a:p>
@@ -1343,7 +1343,7 @@
           <a:p>
             <a:fld id="{C6F822A4-8DA6-4447-9B1F-C5DB58435268}" type="datetimeFigureOut">
               <a:rPr lang="en-US" dirty="0"/>
-              <a:t>12/1/2021</a:t>
+              <a:t>12/7/2021</a:t>
             </a:fld>
             <a:endParaRPr lang="en-US" dirty="0"/>
           </a:p>
@@ -1725,7 +1725,7 @@
           <a:p>
             <a:fld id="{E548D31E-DCDA-41A7-9C67-C4B11B94D21D}" type="datetimeFigureOut">
               <a:rPr lang="en-US" dirty="0"/>
-              <a:t>12/1/2021</a:t>
+              <a:t>12/7/2021</a:t>
             </a:fld>
             <a:endParaRPr lang="en-US" dirty="0"/>
           </a:p>
@@ -2154,7 +2154,7 @@
           <a:p>
             <a:fld id="{9B3762C0-B258-48F1-ADE6-176B4174CCDD}" type="datetimeFigureOut">
               <a:rPr lang="en-US" dirty="0"/>
-              <a:t>12/1/2021</a:t>
+              <a:t>12/7/2021</a:t>
             </a:fld>
             <a:endParaRPr lang="en-US" dirty="0"/>
           </a:p>
@@ -2267,7 +2267,7 @@
           <a:p>
             <a:fld id="{677919A6-33EB-49BD-A62F-1FA56B9F9712}" type="datetimeFigureOut">
               <a:rPr lang="en-US" dirty="0"/>
-              <a:t>12/1/2021</a:t>
+              <a:t>12/7/2021</a:t>
             </a:fld>
             <a:endParaRPr lang="en-US" dirty="0"/>
           </a:p>
@@ -2357,7 +2357,7 @@
           <a:p>
             <a:fld id="{CA4E7D1B-D673-4CF6-8672-009D42ABD2A0}" type="datetimeFigureOut">
               <a:rPr lang="en-US" dirty="0"/>
-              <a:t>12/1/2021</a:t>
+              <a:t>12/7/2021</a:t>
             </a:fld>
             <a:endParaRPr lang="en-US" dirty="0"/>
           </a:p>
@@ -2702,7 +2702,7 @@
           <a:p>
             <a:fld id="{DA16AA21-1863-4931-97CB-99D0A168701B}" type="datetimeFigureOut">
               <a:rPr lang="en-US" dirty="0"/>
-              <a:t>12/1/2021</a:t>
+              <a:t>12/7/2021</a:t>
             </a:fld>
             <a:endParaRPr lang="en-US" dirty="0"/>
           </a:p>
@@ -3122,7 +3122,7 @@
           <a:p>
             <a:fld id="{3772C379-9A7C-4C87-A116-CBE9F58B04C5}" type="datetimeFigureOut">
               <a:rPr lang="en-US" dirty="0"/>
-              <a:t>12/1/2021</a:t>
+              <a:t>12/7/2021</a:t>
             </a:fld>
             <a:endParaRPr lang="en-US" dirty="0"/>
           </a:p>
@@ -3398,7 +3398,7 @@
           <a:p>
             <a:fld id="{8664C608-40B1-4030-A28D-5B74BC98ADCE}" type="datetimeFigureOut">
               <a:rPr lang="en-US" dirty="0"/>
-              <a:t>12/1/2021</a:t>
+              <a:t>12/7/2021</a:t>
             </a:fld>
             <a:endParaRPr lang="en-US" dirty="0"/>
           </a:p>
